--- a/2-entwurf/presentation/Presentation.pptx
+++ b/2-entwurf/presentation/Presentation.pptx
@@ -3208,7 +3208,6 @@
               <a:rPr lang="de-DE" noProof="0" smtClean="0"/>
               <a:t>Bild durch Klicken auf Symbol hinzufügen</a:t>
             </a:r>
-            <a:endParaRPr lang="de-DE" noProof="0" smtClean="0"/>
           </a:p>
         </p:txBody>
       </p:sp>
@@ -4473,7 +4472,12 @@
             <p:ph type="body" idx="1"/>
           </p:nvPr>
         </p:nvSpPr>
-        <p:spPr/>
+        <p:spPr>
+          <a:xfrm>
+            <a:off x="787400" y="1196752"/>
+            <a:ext cx="8356600" cy="4894262"/>
+          </a:xfrm>
+        </p:spPr>
         <p:txBody>
           <a:bodyPr/>
           <a:lstStyle/>
@@ -5170,7 +5174,7 @@
           <a:graphicData uri="http://schemas.openxmlformats.org/presentationml/2006/ole">
             <mc:AlternateContent xmlns:mc="http://schemas.openxmlformats.org/markup-compatibility/2006">
               <mc:Choice xmlns:v="urn:schemas-microsoft-com:vml" Requires="v">
-                <p:oleObj spid="_x0000_s2051" name="Acrobat Document" r:id="rId3" imgW="8572399" imgH="5810130" progId="AcroExch.Document.11">
+                <p:oleObj spid="_x0000_s2052" name="Acrobat Document" r:id="rId3" imgW="8572399" imgH="5810130" progId="AcroExch.Document.11">
                   <p:embed/>
                 </p:oleObj>
               </mc:Choice>
@@ -5264,7 +5268,7 @@
           <a:graphicData uri="http://schemas.openxmlformats.org/presentationml/2006/ole">
             <mc:AlternateContent xmlns:mc="http://schemas.openxmlformats.org/markup-compatibility/2006">
               <mc:Choice xmlns:v="urn:schemas-microsoft-com:vml" Requires="v">
-                <p:oleObj spid="_x0000_s3077" name="Acrobat Document" r:id="rId3" imgW="7714997" imgH="3047760" progId="AcroExch.Document.11">
+                <p:oleObj spid="_x0000_s3078" name="Acrobat Document" r:id="rId3" imgW="7714997" imgH="3047760" progId="AcroExch.Document.11">
                   <p:embed/>
                 </p:oleObj>
               </mc:Choice>
@@ -5332,7 +5336,12 @@
             <p:ph idx="1"/>
           </p:nvPr>
         </p:nvSpPr>
-        <p:spPr/>
+        <p:spPr>
+          <a:xfrm>
+            <a:off x="757724" y="1196752"/>
+            <a:ext cx="8356600" cy="4894262"/>
+          </a:xfrm>
+        </p:spPr>
         <p:txBody>
           <a:bodyPr/>
           <a:lstStyle/>

--- a/2-entwurf/presentation/Presentation.pptx
+++ b/2-entwurf/presentation/Presentation.pptx
@@ -5,19 +5,20 @@
     <p:sldMasterId id="2147483648" r:id="rId1"/>
   </p:sldMasterIdLst>
   <p:notesMasterIdLst>
-    <p:notesMasterId r:id="rId9"/>
+    <p:notesMasterId r:id="rId10"/>
   </p:notesMasterIdLst>
   <p:handoutMasterIdLst>
-    <p:handoutMasterId r:id="rId10"/>
+    <p:handoutMasterId r:id="rId11"/>
   </p:handoutMasterIdLst>
   <p:sldIdLst>
     <p:sldId id="264" r:id="rId2"/>
     <p:sldId id="263" r:id="rId3"/>
-    <p:sldId id="265" r:id="rId4"/>
-    <p:sldId id="266" r:id="rId5"/>
-    <p:sldId id="267" r:id="rId6"/>
-    <p:sldId id="268" r:id="rId7"/>
-    <p:sldId id="269" r:id="rId8"/>
+    <p:sldId id="270" r:id="rId4"/>
+    <p:sldId id="268" r:id="rId5"/>
+    <p:sldId id="266" r:id="rId6"/>
+    <p:sldId id="267" r:id="rId7"/>
+    <p:sldId id="265" r:id="rId8"/>
+    <p:sldId id="269" r:id="rId9"/>
   </p:sldIdLst>
   <p:sldSz cx="9144000" cy="6858000" type="screen4x3"/>
   <p:notesSz cx="6858000" cy="9144000"/>
@@ -1409,7 +1410,7 @@
           <a:p>
             <a:fld id="{2B68D019-5134-4866-8BCC-6AD2983F956C}" type="datetime1">
               <a:rPr lang="de-DE" smtClean="0"/>
-              <a:t>13.01.2015</a:t>
+              <a:t>14.01.2015</a:t>
             </a:fld>
             <a:endParaRPr lang="de-DE" dirty="0"/>
           </a:p>
@@ -4475,7 +4476,7 @@
         <p:spPr>
           <a:xfrm>
             <a:off x="787400" y="1196752"/>
-            <a:ext cx="8356600" cy="4894262"/>
+            <a:ext cx="7961064" cy="4824536"/>
           </a:xfrm>
         </p:spPr>
         <p:txBody>
@@ -4516,95 +4517,11 @@
           <a:p>
             <a:pPr lvl="1"/>
             <a:r>
-              <a:rPr lang="de-DE" dirty="0">
+              <a:rPr lang="de-DE" dirty="0" smtClean="0">
                 <a:sym typeface="Wingdings" pitchFamily="2" charset="2"/>
               </a:rPr>
-              <a:t>Observer-Muster: </a:t>
-            </a:r>
-            <a:r>
-              <a:rPr lang="de-DE" dirty="0">
-                <a:latin typeface="Courier New" pitchFamily="49" charset="0"/>
-                <a:cs typeface="Courier New" pitchFamily="49" charset="0"/>
-                <a:sym typeface="Wingdings" pitchFamily="2" charset="2"/>
-              </a:rPr>
-              <a:t>Observable&lt;</a:t>
-            </a:r>
-            <a:r>
-              <a:rPr lang="de-DE" dirty="0" err="1">
-                <a:latin typeface="Courier New" pitchFamily="49" charset="0"/>
-                <a:cs typeface="Courier New" pitchFamily="49" charset="0"/>
-                <a:sym typeface="Wingdings" pitchFamily="2" charset="2"/>
-              </a:rPr>
-              <a:t>ModelObserver</a:t>
-            </a:r>
-            <a:r>
-              <a:rPr lang="de-DE" dirty="0">
-                <a:latin typeface="Courier New" pitchFamily="49" charset="0"/>
-                <a:cs typeface="Courier New" pitchFamily="49" charset="0"/>
-                <a:sym typeface="Wingdings" pitchFamily="2" charset="2"/>
-              </a:rPr>
-              <a:t>&gt;</a:t>
-            </a:r>
-          </a:p>
-          <a:p>
-            <a:pPr lvl="1"/>
-            <a:r>
-              <a:rPr lang="de-DE" dirty="0">
-                <a:sym typeface="Wingdings" pitchFamily="2" charset="2"/>
-              </a:rPr>
-              <a:t>Nachricht: </a:t>
-            </a:r>
-            <a:r>
-              <a:rPr lang="de-DE" dirty="0" err="1">
-                <a:latin typeface="Courier New" pitchFamily="49" charset="0"/>
-                <a:cs typeface="Courier New" pitchFamily="49" charset="0"/>
-                <a:sym typeface="Wingdings" pitchFamily="2" charset="2"/>
-              </a:rPr>
-              <a:t>notify</a:t>
-            </a:r>
-            <a:r>
-              <a:rPr lang="de-DE" dirty="0">
-                <a:latin typeface="Courier New" pitchFamily="49" charset="0"/>
-                <a:cs typeface="Courier New" pitchFamily="49" charset="0"/>
-                <a:sym typeface="Wingdings" pitchFamily="2" charset="2"/>
-              </a:rPr>
-              <a:t>((</a:t>
-            </a:r>
-            <a:r>
-              <a:rPr lang="de-DE" dirty="0" err="1">
-                <a:latin typeface="Courier New" pitchFamily="49" charset="0"/>
-                <a:cs typeface="Courier New" pitchFamily="49" charset="0"/>
-                <a:sym typeface="Wingdings" pitchFamily="2" charset="2"/>
-              </a:rPr>
-              <a:t>observer</a:t>
-            </a:r>
-            <a:r>
-              <a:rPr lang="de-DE" dirty="0">
-                <a:latin typeface="Courier New" pitchFamily="49" charset="0"/>
-                <a:cs typeface="Courier New" pitchFamily="49" charset="0"/>
-                <a:sym typeface="Wingdings" pitchFamily="2" charset="2"/>
-              </a:rPr>
-              <a:t>) -&gt; </a:t>
-            </a:r>
-            <a:r>
-              <a:rPr lang="de-DE" dirty="0" err="1">
-                <a:latin typeface="Courier New" pitchFamily="49" charset="0"/>
-                <a:cs typeface="Courier New" pitchFamily="49" charset="0"/>
-                <a:sym typeface="Wingdings" pitchFamily="2" charset="2"/>
-              </a:rPr>
-              <a:t>observer.doSomething</a:t>
-            </a:r>
-            <a:r>
-              <a:rPr lang="de-DE" dirty="0" smtClean="0">
-                <a:latin typeface="Courier New" pitchFamily="49" charset="0"/>
-                <a:cs typeface="Courier New" pitchFamily="49" charset="0"/>
-                <a:sym typeface="Wingdings" pitchFamily="2" charset="2"/>
-              </a:rPr>
-              <a:t>())</a:t>
-            </a:r>
-            <a:endParaRPr lang="de-DE" dirty="0" smtClean="0">
-              <a:sym typeface="Wingdings" pitchFamily="2" charset="2"/>
-            </a:endParaRPr>
+              <a:t>Observer-Muster</a:t>
+            </a:r>
           </a:p>
           <a:p>
             <a:r>
@@ -4623,7 +4540,7 @@
               <a:rPr lang="de-DE" dirty="0" smtClean="0">
                 <a:sym typeface="Wingdings" pitchFamily="2" charset="2"/>
               </a:rPr>
-              <a:t> pro Bildschirm</a:t>
+              <a:t> pro Menü/ Spiel-Modus</a:t>
             </a:r>
           </a:p>
           <a:p>
@@ -4633,6 +4550,9 @@
               </a:rPr>
               <a:t>Asset-Klasse</a:t>
             </a:r>
+            <a:endParaRPr lang="de-DE" dirty="0" smtClean="0">
+              <a:sym typeface="Wingdings" pitchFamily="2" charset="2"/>
+            </a:endParaRPr>
           </a:p>
           <a:p>
             <a:r>
@@ -4985,55 +4905,6 @@
                       </p:childTnLst>
                     </p:cTn>
                   </p:par>
-                  <p:par>
-                    <p:cTn id="27" fill="hold">
-                      <p:stCondLst>
-                        <p:cond delay="indefinite"/>
-                      </p:stCondLst>
-                      <p:childTnLst>
-                        <p:par>
-                          <p:cTn id="28" fill="hold">
-                            <p:stCondLst>
-                              <p:cond delay="0"/>
-                            </p:stCondLst>
-                            <p:childTnLst>
-                              <p:par>
-                                <p:cTn id="29" presetID="1" presetClass="entr" presetSubtype="0" fill="hold" grpId="0" nodeType="clickEffect">
-                                  <p:stCondLst>
-                                    <p:cond delay="0"/>
-                                  </p:stCondLst>
-                                  <p:childTnLst>
-                                    <p:set>
-                                      <p:cBhvr>
-                                        <p:cTn id="30" dur="1" fill="hold">
-                                          <p:stCondLst>
-                                            <p:cond delay="0"/>
-                                          </p:stCondLst>
-                                        </p:cTn>
-                                        <p:tgtEl>
-                                          <p:spTgt spid="29699">
-                                            <p:txEl>
-                                              <p:pRg st="6" end="6"/>
-                                            </p:txEl>
-                                          </p:spTgt>
-                                        </p:tgtEl>
-                                        <p:attrNameLst>
-                                          <p:attrName>style.visibility</p:attrName>
-                                        </p:attrNameLst>
-                                      </p:cBhvr>
-                                      <p:to>
-                                        <p:strVal val="visible"/>
-                                      </p:to>
-                                    </p:set>
-                                  </p:childTnLst>
-                                </p:cTn>
-                              </p:par>
-                            </p:childTnLst>
-                          </p:cTn>
-                        </p:par>
-                      </p:childTnLst>
-                    </p:cTn>
-                  </p:par>
                 </p:childTnLst>
               </p:cTn>
               <p:prevCondLst>
@@ -5096,9 +4967,172 @@
           <a:p>
             <a:r>
               <a:rPr lang="de-DE" dirty="0" smtClean="0"/>
-              <a:t>Beispiel: Model im Reduktionsmodus</a:t>
+              <a:t>Packages</a:t>
             </a:r>
             <a:endParaRPr lang="de-DE" dirty="0"/>
+          </a:p>
+        </p:txBody>
+      </p:sp>
+      <p:sp>
+        <p:nvSpPr>
+          <p:cNvPr id="3" name="Inhaltsplatzhalter 2"/>
+          <p:cNvSpPr>
+            <a:spLocks noGrp="1"/>
+          </p:cNvSpPr>
+          <p:nvPr>
+            <p:ph idx="1"/>
+          </p:nvPr>
+        </p:nvSpPr>
+        <p:spPr/>
+        <p:txBody>
+          <a:bodyPr/>
+          <a:lstStyle/>
+          <a:p>
+            <a:r>
+              <a:rPr lang="de-DE" dirty="0" err="1" smtClean="0">
+                <a:latin typeface="Courier New" pitchFamily="49" charset="0"/>
+                <a:cs typeface="Courier New" pitchFamily="49" charset="0"/>
+              </a:rPr>
+              <a:t>lambda</a:t>
+            </a:r>
+            <a:endParaRPr lang="de-DE" dirty="0" smtClean="0">
+              <a:latin typeface="Courier New" pitchFamily="49" charset="0"/>
+              <a:cs typeface="Courier New" pitchFamily="49" charset="0"/>
+            </a:endParaRPr>
+          </a:p>
+          <a:p>
+            <a:r>
+              <a:rPr lang="de-DE" dirty="0" err="1" smtClean="0">
+                <a:latin typeface="Courier New" pitchFamily="49" charset="0"/>
+                <a:cs typeface="Courier New" pitchFamily="49" charset="0"/>
+              </a:rPr>
+              <a:t>lambda.model</a:t>
+            </a:r>
+            <a:endParaRPr lang="de-DE" dirty="0" smtClean="0">
+              <a:latin typeface="Courier New" pitchFamily="49" charset="0"/>
+              <a:cs typeface="Courier New" pitchFamily="49" charset="0"/>
+            </a:endParaRPr>
+          </a:p>
+          <a:p>
+            <a:pPr lvl="1"/>
+            <a:r>
+              <a:rPr lang="de-DE" dirty="0" err="1" smtClean="0">
+                <a:latin typeface="Courier New" pitchFamily="49" charset="0"/>
+                <a:cs typeface="Courier New" pitchFamily="49" charset="0"/>
+              </a:rPr>
+              <a:t>lambda.model.lambdaterm</a:t>
+            </a:r>
+            <a:endParaRPr lang="de-DE" dirty="0" smtClean="0">
+              <a:latin typeface="Courier New" pitchFamily="49" charset="0"/>
+              <a:cs typeface="Courier New" pitchFamily="49" charset="0"/>
+            </a:endParaRPr>
+          </a:p>
+          <a:p>
+            <a:pPr lvl="1"/>
+            <a:r>
+              <a:rPr lang="de-DE" dirty="0" err="1" smtClean="0">
+                <a:latin typeface="Courier New" pitchFamily="49" charset="0"/>
+                <a:cs typeface="Courier New" pitchFamily="49" charset="0"/>
+              </a:rPr>
+              <a:t>lambda.model.level</a:t>
+            </a:r>
+            <a:endParaRPr lang="de-DE" dirty="0" smtClean="0">
+              <a:latin typeface="Courier New" pitchFamily="49" charset="0"/>
+              <a:cs typeface="Courier New" pitchFamily="49" charset="0"/>
+            </a:endParaRPr>
+          </a:p>
+          <a:p>
+            <a:pPr lvl="1"/>
+            <a:r>
+              <a:rPr lang="de-DE" dirty="0" err="1" smtClean="0">
+                <a:latin typeface="Courier New" pitchFamily="49" charset="0"/>
+                <a:cs typeface="Courier New" pitchFamily="49" charset="0"/>
+              </a:rPr>
+              <a:t>lambda.model.profiles</a:t>
+            </a:r>
+            <a:endParaRPr lang="de-DE" dirty="0" smtClean="0">
+              <a:latin typeface="Courier New" pitchFamily="49" charset="0"/>
+              <a:cs typeface="Courier New" pitchFamily="49" charset="0"/>
+            </a:endParaRPr>
+          </a:p>
+          <a:p>
+            <a:pPr lvl="1"/>
+            <a:r>
+              <a:rPr lang="de-DE" dirty="0" smtClean="0">
+                <a:latin typeface="Courier New" pitchFamily="49" charset="0"/>
+                <a:cs typeface="Courier New" pitchFamily="49" charset="0"/>
+              </a:rPr>
+              <a:t>…</a:t>
+            </a:r>
+          </a:p>
+          <a:p>
+            <a:r>
+              <a:rPr lang="de-DE" dirty="0" err="1" smtClean="0">
+                <a:latin typeface="Courier New" pitchFamily="49" charset="0"/>
+                <a:cs typeface="Courier New" pitchFamily="49" charset="0"/>
+              </a:rPr>
+              <a:t>lambda.viewcontroller</a:t>
+            </a:r>
+            <a:endParaRPr lang="de-DE" dirty="0" smtClean="0">
+              <a:latin typeface="Courier New" pitchFamily="49" charset="0"/>
+              <a:cs typeface="Courier New" pitchFamily="49" charset="0"/>
+            </a:endParaRPr>
+          </a:p>
+          <a:p>
+            <a:pPr lvl="1"/>
+            <a:r>
+              <a:rPr lang="de-DE" dirty="0" err="1" smtClean="0">
+                <a:latin typeface="Courier New" pitchFamily="49" charset="0"/>
+                <a:cs typeface="Courier New" pitchFamily="49" charset="0"/>
+              </a:rPr>
+              <a:t>lambda.viewcontroller.lambdaterm</a:t>
+            </a:r>
+            <a:endParaRPr lang="de-DE" dirty="0" smtClean="0">
+              <a:latin typeface="Courier New" pitchFamily="49" charset="0"/>
+              <a:cs typeface="Courier New" pitchFamily="49" charset="0"/>
+            </a:endParaRPr>
+          </a:p>
+          <a:p>
+            <a:pPr lvl="1"/>
+            <a:r>
+              <a:rPr lang="de-DE" dirty="0" err="1" smtClean="0">
+                <a:latin typeface="Courier New" pitchFamily="49" charset="0"/>
+                <a:cs typeface="Courier New" pitchFamily="49" charset="0"/>
+              </a:rPr>
+              <a:t>lambda.viewcontroller.level</a:t>
+            </a:r>
+            <a:endParaRPr lang="de-DE" dirty="0" smtClean="0">
+              <a:latin typeface="Courier New" pitchFamily="49" charset="0"/>
+              <a:cs typeface="Courier New" pitchFamily="49" charset="0"/>
+            </a:endParaRPr>
+          </a:p>
+          <a:p>
+            <a:pPr lvl="1"/>
+            <a:r>
+              <a:rPr lang="de-DE" dirty="0" err="1" smtClean="0">
+                <a:latin typeface="Courier New" pitchFamily="49" charset="0"/>
+                <a:cs typeface="Courier New" pitchFamily="49" charset="0"/>
+              </a:rPr>
+              <a:t>lambda.viewcontroller.profiles</a:t>
+            </a:r>
+            <a:endParaRPr lang="de-DE" dirty="0" smtClean="0">
+              <a:latin typeface="Courier New" pitchFamily="49" charset="0"/>
+              <a:cs typeface="Courier New" pitchFamily="49" charset="0"/>
+            </a:endParaRPr>
+          </a:p>
+          <a:p>
+            <a:pPr lvl="1"/>
+            <a:r>
+              <a:rPr lang="de-DE" dirty="0" smtClean="0">
+                <a:latin typeface="Courier New" pitchFamily="49" charset="0"/>
+                <a:cs typeface="Courier New" pitchFamily="49" charset="0"/>
+              </a:rPr>
+              <a:t>…</a:t>
+            </a:r>
+            <a:endParaRPr lang="de-DE" dirty="0">
+              <a:latin typeface="Courier New" pitchFamily="49" charset="0"/>
+              <a:cs typeface="Courier New" pitchFamily="49" charset="0"/>
+            </a:endParaRPr>
           </a:p>
         </p:txBody>
       </p:sp>
@@ -5118,12 +5152,8 @@
           <a:lstStyle/>
           <a:p>
             <a:r>
-              <a:rPr lang="de-DE" dirty="0" smtClean="0"/>
-              <a:t>Team </a:t>
-            </a:r>
-            <a:r>
-              <a:rPr lang="de-DE" dirty="0" err="1" smtClean="0"/>
-              <a:t>Lamb.da</a:t>
+              <a:rPr lang="de-DE" smtClean="0"/>
+              <a:t>Team Lamb.da</a:t>
             </a:r>
             <a:endParaRPr lang="de-DE" dirty="0"/>
           </a:p>
@@ -5152,67 +5182,1431 @@
           </a:p>
         </p:txBody>
       </p:sp>
-      <p:graphicFrame>
-        <p:nvGraphicFramePr>
-          <p:cNvPr id="6" name="Objekt 5"/>
-          <p:cNvGraphicFramePr>
-            <a:graphicFrameLocks noChangeAspect="1"/>
-          </p:cNvGraphicFramePr>
-          <p:nvPr>
-            <p:extLst>
-              <p:ext uri="{D42A27DB-BD31-4B8C-83A1-F6EECF244321}">
-                <p14:modId xmlns:p14="http://schemas.microsoft.com/office/powerpoint/2010/main" val="1352038385"/>
-              </p:ext>
-            </p:extLst>
-          </p:nvPr>
-        </p:nvGraphicFramePr>
-        <p:xfrm>
-          <a:off x="467543" y="1052735"/>
-          <a:ext cx="7649375" cy="5184577"/>
-        </p:xfrm>
-        <a:graphic>
-          <a:graphicData uri="http://schemas.openxmlformats.org/presentationml/2006/ole">
-            <mc:AlternateContent xmlns:mc="http://schemas.openxmlformats.org/markup-compatibility/2006">
-              <mc:Choice xmlns:v="urn:schemas-microsoft-com:vml" Requires="v">
-                <p:oleObj spid="_x0000_s2052" name="Acrobat Document" r:id="rId3" imgW="8572399" imgH="5810130" progId="AcroExch.Document.11">
-                  <p:embed/>
-                </p:oleObj>
-              </mc:Choice>
-              <mc:Fallback>
-                <p:oleObj name="Acrobat Document" r:id="rId3" imgW="8572399" imgH="5810130" progId="AcroExch.Document.11">
-                  <p:embed/>
-                  <p:pic>
-                    <p:nvPicPr>
-                      <p:cNvPr id="0" name=""/>
-                      <p:cNvPicPr/>
-                      <p:nvPr/>
-                    </p:nvPicPr>
-                    <p:blipFill>
-                      <a:blip r:embed="rId4"/>
-                      <a:stretch>
-                        <a:fillRect/>
-                      </a:stretch>
-                    </p:blipFill>
-                    <p:spPr>
-                      <a:xfrm>
-                        <a:off x="467543" y="1052735"/>
-                        <a:ext cx="7649375" cy="5184577"/>
-                      </a:xfrm>
-                      <a:prstGeom prst="rect">
-                        <a:avLst/>
-                      </a:prstGeom>
-                    </p:spPr>
-                  </p:pic>
-                </p:oleObj>
-              </mc:Fallback>
-            </mc:AlternateContent>
-          </a:graphicData>
-        </a:graphic>
-      </p:graphicFrame>
     </p:spTree>
     <p:extLst>
       <p:ext uri="{BB962C8B-B14F-4D97-AF65-F5344CB8AC3E}">
-        <p14:creationId xmlns:p14="http://schemas.microsoft.com/office/powerpoint/2010/main" val="1020204133"/>
+        <p14:creationId xmlns:p14="http://schemas.microsoft.com/office/powerpoint/2010/main" val="2317317517"/>
+      </p:ext>
+    </p:extLst>
+  </p:cSld>
+  <p:clrMapOvr>
+    <a:masterClrMapping/>
+  </p:clrMapOvr>
+  <p:timing>
+    <p:tnLst>
+      <p:par>
+        <p:cTn id="1" dur="indefinite" restart="never" nodeType="tmRoot">
+          <p:childTnLst>
+            <p:seq concurrent="1" nextAc="seek">
+              <p:cTn id="2" dur="indefinite" nodeType="mainSeq">
+                <p:childTnLst>
+                  <p:par>
+                    <p:cTn id="3" fill="hold">
+                      <p:stCondLst>
+                        <p:cond delay="indefinite"/>
+                      </p:stCondLst>
+                      <p:childTnLst>
+                        <p:par>
+                          <p:cTn id="4" fill="hold">
+                            <p:stCondLst>
+                              <p:cond delay="0"/>
+                            </p:stCondLst>
+                            <p:childTnLst>
+                              <p:par>
+                                <p:cTn id="5" presetID="1" presetClass="entr" presetSubtype="0" fill="hold" grpId="0" nodeType="clickEffect">
+                                  <p:stCondLst>
+                                    <p:cond delay="0"/>
+                                  </p:stCondLst>
+                                  <p:childTnLst>
+                                    <p:set>
+                                      <p:cBhvr>
+                                        <p:cTn id="6" dur="1" fill="hold">
+                                          <p:stCondLst>
+                                            <p:cond delay="0"/>
+                                          </p:stCondLst>
+                                        </p:cTn>
+                                        <p:tgtEl>
+                                          <p:spTgt spid="3">
+                                            <p:txEl>
+                                              <p:pRg st="0" end="0"/>
+                                            </p:txEl>
+                                          </p:spTgt>
+                                        </p:tgtEl>
+                                        <p:attrNameLst>
+                                          <p:attrName>style.visibility</p:attrName>
+                                        </p:attrNameLst>
+                                      </p:cBhvr>
+                                      <p:to>
+                                        <p:strVal val="visible"/>
+                                      </p:to>
+                                    </p:set>
+                                  </p:childTnLst>
+                                </p:cTn>
+                              </p:par>
+                            </p:childTnLst>
+                          </p:cTn>
+                        </p:par>
+                      </p:childTnLst>
+                    </p:cTn>
+                  </p:par>
+                  <p:par>
+                    <p:cTn id="7" fill="hold">
+                      <p:stCondLst>
+                        <p:cond delay="indefinite"/>
+                      </p:stCondLst>
+                      <p:childTnLst>
+                        <p:par>
+                          <p:cTn id="8" fill="hold">
+                            <p:stCondLst>
+                              <p:cond delay="0"/>
+                            </p:stCondLst>
+                            <p:childTnLst>
+                              <p:par>
+                                <p:cTn id="9" presetID="1" presetClass="entr" presetSubtype="0" fill="hold" grpId="0" nodeType="clickEffect">
+                                  <p:stCondLst>
+                                    <p:cond delay="0"/>
+                                  </p:stCondLst>
+                                  <p:childTnLst>
+                                    <p:set>
+                                      <p:cBhvr>
+                                        <p:cTn id="10" dur="1" fill="hold">
+                                          <p:stCondLst>
+                                            <p:cond delay="0"/>
+                                          </p:stCondLst>
+                                        </p:cTn>
+                                        <p:tgtEl>
+                                          <p:spTgt spid="3">
+                                            <p:txEl>
+                                              <p:pRg st="1" end="1"/>
+                                            </p:txEl>
+                                          </p:spTgt>
+                                        </p:tgtEl>
+                                        <p:attrNameLst>
+                                          <p:attrName>style.visibility</p:attrName>
+                                        </p:attrNameLst>
+                                      </p:cBhvr>
+                                      <p:to>
+                                        <p:strVal val="visible"/>
+                                      </p:to>
+                                    </p:set>
+                                  </p:childTnLst>
+                                </p:cTn>
+                              </p:par>
+                            </p:childTnLst>
+                          </p:cTn>
+                        </p:par>
+                      </p:childTnLst>
+                    </p:cTn>
+                  </p:par>
+                  <p:par>
+                    <p:cTn id="11" fill="hold">
+                      <p:stCondLst>
+                        <p:cond delay="indefinite"/>
+                      </p:stCondLst>
+                      <p:childTnLst>
+                        <p:par>
+                          <p:cTn id="12" fill="hold">
+                            <p:stCondLst>
+                              <p:cond delay="0"/>
+                            </p:stCondLst>
+                            <p:childTnLst>
+                              <p:par>
+                                <p:cTn id="13" presetID="1" presetClass="entr" presetSubtype="0" fill="hold" grpId="0" nodeType="clickEffect">
+                                  <p:stCondLst>
+                                    <p:cond delay="0"/>
+                                  </p:stCondLst>
+                                  <p:childTnLst>
+                                    <p:set>
+                                      <p:cBhvr>
+                                        <p:cTn id="14" dur="1" fill="hold">
+                                          <p:stCondLst>
+                                            <p:cond delay="0"/>
+                                          </p:stCondLst>
+                                        </p:cTn>
+                                        <p:tgtEl>
+                                          <p:spTgt spid="3">
+                                            <p:txEl>
+                                              <p:pRg st="2" end="2"/>
+                                            </p:txEl>
+                                          </p:spTgt>
+                                        </p:tgtEl>
+                                        <p:attrNameLst>
+                                          <p:attrName>style.visibility</p:attrName>
+                                        </p:attrNameLst>
+                                      </p:cBhvr>
+                                      <p:to>
+                                        <p:strVal val="visible"/>
+                                      </p:to>
+                                    </p:set>
+                                  </p:childTnLst>
+                                </p:cTn>
+                              </p:par>
+                              <p:par>
+                                <p:cTn id="15" presetID="1" presetClass="entr" presetSubtype="0" fill="hold" grpId="0" nodeType="withEffect">
+                                  <p:stCondLst>
+                                    <p:cond delay="0"/>
+                                  </p:stCondLst>
+                                  <p:childTnLst>
+                                    <p:set>
+                                      <p:cBhvr>
+                                        <p:cTn id="16" dur="1" fill="hold">
+                                          <p:stCondLst>
+                                            <p:cond delay="0"/>
+                                          </p:stCondLst>
+                                        </p:cTn>
+                                        <p:tgtEl>
+                                          <p:spTgt spid="3">
+                                            <p:txEl>
+                                              <p:pRg st="3" end="3"/>
+                                            </p:txEl>
+                                          </p:spTgt>
+                                        </p:tgtEl>
+                                        <p:attrNameLst>
+                                          <p:attrName>style.visibility</p:attrName>
+                                        </p:attrNameLst>
+                                      </p:cBhvr>
+                                      <p:to>
+                                        <p:strVal val="visible"/>
+                                      </p:to>
+                                    </p:set>
+                                  </p:childTnLst>
+                                </p:cTn>
+                              </p:par>
+                              <p:par>
+                                <p:cTn id="17" presetID="1" presetClass="entr" presetSubtype="0" fill="hold" grpId="0" nodeType="withEffect">
+                                  <p:stCondLst>
+                                    <p:cond delay="0"/>
+                                  </p:stCondLst>
+                                  <p:childTnLst>
+                                    <p:set>
+                                      <p:cBhvr>
+                                        <p:cTn id="18" dur="1" fill="hold">
+                                          <p:stCondLst>
+                                            <p:cond delay="0"/>
+                                          </p:stCondLst>
+                                        </p:cTn>
+                                        <p:tgtEl>
+                                          <p:spTgt spid="3">
+                                            <p:txEl>
+                                              <p:pRg st="4" end="4"/>
+                                            </p:txEl>
+                                          </p:spTgt>
+                                        </p:tgtEl>
+                                        <p:attrNameLst>
+                                          <p:attrName>style.visibility</p:attrName>
+                                        </p:attrNameLst>
+                                      </p:cBhvr>
+                                      <p:to>
+                                        <p:strVal val="visible"/>
+                                      </p:to>
+                                    </p:set>
+                                  </p:childTnLst>
+                                </p:cTn>
+                              </p:par>
+                              <p:par>
+                                <p:cTn id="19" presetID="1" presetClass="entr" presetSubtype="0" fill="hold" grpId="0" nodeType="withEffect">
+                                  <p:stCondLst>
+                                    <p:cond delay="0"/>
+                                  </p:stCondLst>
+                                  <p:childTnLst>
+                                    <p:set>
+                                      <p:cBhvr>
+                                        <p:cTn id="20" dur="1" fill="hold">
+                                          <p:stCondLst>
+                                            <p:cond delay="0"/>
+                                          </p:stCondLst>
+                                        </p:cTn>
+                                        <p:tgtEl>
+                                          <p:spTgt spid="3">
+                                            <p:txEl>
+                                              <p:pRg st="5" end="5"/>
+                                            </p:txEl>
+                                          </p:spTgt>
+                                        </p:tgtEl>
+                                        <p:attrNameLst>
+                                          <p:attrName>style.visibility</p:attrName>
+                                        </p:attrNameLst>
+                                      </p:cBhvr>
+                                      <p:to>
+                                        <p:strVal val="visible"/>
+                                      </p:to>
+                                    </p:set>
+                                  </p:childTnLst>
+                                </p:cTn>
+                              </p:par>
+                            </p:childTnLst>
+                          </p:cTn>
+                        </p:par>
+                      </p:childTnLst>
+                    </p:cTn>
+                  </p:par>
+                  <p:par>
+                    <p:cTn id="21" fill="hold">
+                      <p:stCondLst>
+                        <p:cond delay="indefinite"/>
+                      </p:stCondLst>
+                      <p:childTnLst>
+                        <p:par>
+                          <p:cTn id="22" fill="hold">
+                            <p:stCondLst>
+                              <p:cond delay="0"/>
+                            </p:stCondLst>
+                            <p:childTnLst>
+                              <p:par>
+                                <p:cTn id="23" presetID="1" presetClass="entr" presetSubtype="0" fill="hold" grpId="0" nodeType="clickEffect">
+                                  <p:stCondLst>
+                                    <p:cond delay="0"/>
+                                  </p:stCondLst>
+                                  <p:childTnLst>
+                                    <p:set>
+                                      <p:cBhvr>
+                                        <p:cTn id="24" dur="1" fill="hold">
+                                          <p:stCondLst>
+                                            <p:cond delay="0"/>
+                                          </p:stCondLst>
+                                        </p:cTn>
+                                        <p:tgtEl>
+                                          <p:spTgt spid="3">
+                                            <p:txEl>
+                                              <p:pRg st="6" end="6"/>
+                                            </p:txEl>
+                                          </p:spTgt>
+                                        </p:tgtEl>
+                                        <p:attrNameLst>
+                                          <p:attrName>style.visibility</p:attrName>
+                                        </p:attrNameLst>
+                                      </p:cBhvr>
+                                      <p:to>
+                                        <p:strVal val="visible"/>
+                                      </p:to>
+                                    </p:set>
+                                  </p:childTnLst>
+                                </p:cTn>
+                              </p:par>
+                            </p:childTnLst>
+                          </p:cTn>
+                        </p:par>
+                      </p:childTnLst>
+                    </p:cTn>
+                  </p:par>
+                  <p:par>
+                    <p:cTn id="25" fill="hold">
+                      <p:stCondLst>
+                        <p:cond delay="indefinite"/>
+                      </p:stCondLst>
+                      <p:childTnLst>
+                        <p:par>
+                          <p:cTn id="26" fill="hold">
+                            <p:stCondLst>
+                              <p:cond delay="0"/>
+                            </p:stCondLst>
+                            <p:childTnLst>
+                              <p:par>
+                                <p:cTn id="27" presetID="1" presetClass="entr" presetSubtype="0" fill="hold" grpId="0" nodeType="clickEffect">
+                                  <p:stCondLst>
+                                    <p:cond delay="0"/>
+                                  </p:stCondLst>
+                                  <p:childTnLst>
+                                    <p:set>
+                                      <p:cBhvr>
+                                        <p:cTn id="28" dur="1" fill="hold">
+                                          <p:stCondLst>
+                                            <p:cond delay="0"/>
+                                          </p:stCondLst>
+                                        </p:cTn>
+                                        <p:tgtEl>
+                                          <p:spTgt spid="3">
+                                            <p:txEl>
+                                              <p:pRg st="7" end="7"/>
+                                            </p:txEl>
+                                          </p:spTgt>
+                                        </p:tgtEl>
+                                        <p:attrNameLst>
+                                          <p:attrName>style.visibility</p:attrName>
+                                        </p:attrNameLst>
+                                      </p:cBhvr>
+                                      <p:to>
+                                        <p:strVal val="visible"/>
+                                      </p:to>
+                                    </p:set>
+                                  </p:childTnLst>
+                                </p:cTn>
+                              </p:par>
+                              <p:par>
+                                <p:cTn id="29" presetID="1" presetClass="entr" presetSubtype="0" fill="hold" grpId="0" nodeType="withEffect">
+                                  <p:stCondLst>
+                                    <p:cond delay="0"/>
+                                  </p:stCondLst>
+                                  <p:childTnLst>
+                                    <p:set>
+                                      <p:cBhvr>
+                                        <p:cTn id="30" dur="1" fill="hold">
+                                          <p:stCondLst>
+                                            <p:cond delay="0"/>
+                                          </p:stCondLst>
+                                        </p:cTn>
+                                        <p:tgtEl>
+                                          <p:spTgt spid="3">
+                                            <p:txEl>
+                                              <p:pRg st="8" end="8"/>
+                                            </p:txEl>
+                                          </p:spTgt>
+                                        </p:tgtEl>
+                                        <p:attrNameLst>
+                                          <p:attrName>style.visibility</p:attrName>
+                                        </p:attrNameLst>
+                                      </p:cBhvr>
+                                      <p:to>
+                                        <p:strVal val="visible"/>
+                                      </p:to>
+                                    </p:set>
+                                  </p:childTnLst>
+                                </p:cTn>
+                              </p:par>
+                              <p:par>
+                                <p:cTn id="31" presetID="1" presetClass="entr" presetSubtype="0" fill="hold" grpId="0" nodeType="withEffect">
+                                  <p:stCondLst>
+                                    <p:cond delay="0"/>
+                                  </p:stCondLst>
+                                  <p:childTnLst>
+                                    <p:set>
+                                      <p:cBhvr>
+                                        <p:cTn id="32" dur="1" fill="hold">
+                                          <p:stCondLst>
+                                            <p:cond delay="0"/>
+                                          </p:stCondLst>
+                                        </p:cTn>
+                                        <p:tgtEl>
+                                          <p:spTgt spid="3">
+                                            <p:txEl>
+                                              <p:pRg st="9" end="9"/>
+                                            </p:txEl>
+                                          </p:spTgt>
+                                        </p:tgtEl>
+                                        <p:attrNameLst>
+                                          <p:attrName>style.visibility</p:attrName>
+                                        </p:attrNameLst>
+                                      </p:cBhvr>
+                                      <p:to>
+                                        <p:strVal val="visible"/>
+                                      </p:to>
+                                    </p:set>
+                                  </p:childTnLst>
+                                </p:cTn>
+                              </p:par>
+                              <p:par>
+                                <p:cTn id="33" presetID="1" presetClass="entr" presetSubtype="0" fill="hold" grpId="0" nodeType="withEffect">
+                                  <p:stCondLst>
+                                    <p:cond delay="0"/>
+                                  </p:stCondLst>
+                                  <p:childTnLst>
+                                    <p:set>
+                                      <p:cBhvr>
+                                        <p:cTn id="34" dur="1" fill="hold">
+                                          <p:stCondLst>
+                                            <p:cond delay="0"/>
+                                          </p:stCondLst>
+                                        </p:cTn>
+                                        <p:tgtEl>
+                                          <p:spTgt spid="3">
+                                            <p:txEl>
+                                              <p:pRg st="10" end="10"/>
+                                            </p:txEl>
+                                          </p:spTgt>
+                                        </p:tgtEl>
+                                        <p:attrNameLst>
+                                          <p:attrName>style.visibility</p:attrName>
+                                        </p:attrNameLst>
+                                      </p:cBhvr>
+                                      <p:to>
+                                        <p:strVal val="visible"/>
+                                      </p:to>
+                                    </p:set>
+                                  </p:childTnLst>
+                                </p:cTn>
+                              </p:par>
+                            </p:childTnLst>
+                          </p:cTn>
+                        </p:par>
+                      </p:childTnLst>
+                    </p:cTn>
+                  </p:par>
+                </p:childTnLst>
+              </p:cTn>
+              <p:prevCondLst>
+                <p:cond evt="onPrev" delay="0">
+                  <p:tgtEl>
+                    <p:sldTgt/>
+                  </p:tgtEl>
+                </p:cond>
+              </p:prevCondLst>
+              <p:nextCondLst>
+                <p:cond evt="onNext" delay="0">
+                  <p:tgtEl>
+                    <p:sldTgt/>
+                  </p:tgtEl>
+                </p:cond>
+              </p:nextCondLst>
+            </p:seq>
+          </p:childTnLst>
+        </p:cTn>
+      </p:par>
+    </p:tnLst>
+    <p:bldLst>
+      <p:bldP spid="3" grpId="0" uiExpand="1" build="p"/>
+    </p:bldLst>
+  </p:timing>
+</p:sld>
+</file>
+
+<file path=ppt/slides/slide4.xml><?xml version="1.0" encoding="utf-8"?>
+<p:sld xmlns:a="http://schemas.openxmlformats.org/drawingml/2006/main" xmlns:r="http://schemas.openxmlformats.org/officeDocument/2006/relationships" xmlns:p="http://schemas.openxmlformats.org/presentationml/2006/main">
+  <p:cSld>
+    <p:spTree>
+      <p:nvGrpSpPr>
+        <p:cNvPr id="1" name=""/>
+        <p:cNvGrpSpPr/>
+        <p:nvPr/>
+      </p:nvGrpSpPr>
+      <p:grpSpPr>
+        <a:xfrm>
+          <a:off x="0" y="0"/>
+          <a:ext cx="0" cy="0"/>
+          <a:chOff x="0" y="0"/>
+          <a:chExt cx="0" cy="0"/>
+        </a:xfrm>
+      </p:grpSpPr>
+      <p:sp>
+        <p:nvSpPr>
+          <p:cNvPr id="2" name="Titel 1"/>
+          <p:cNvSpPr>
+            <a:spLocks noGrp="1"/>
+          </p:cNvSpPr>
+          <p:nvPr>
+            <p:ph type="title"/>
+          </p:nvPr>
+        </p:nvSpPr>
+        <p:spPr/>
+        <p:txBody>
+          <a:bodyPr/>
+          <a:lstStyle/>
+          <a:p>
+            <a:r>
+              <a:rPr lang="de-DE" dirty="0" smtClean="0"/>
+              <a:t>Vergleich Lambda Term Struktur </a:t>
+            </a:r>
+            <a:r>
+              <a:rPr lang="de-DE" i="1" dirty="0" smtClean="0">
+                <a:solidFill>
+                  <a:schemeClr val="tx1"/>
+                </a:solidFill>
+                <a:latin typeface="Adobe Devanagari" pitchFamily="18" charset="0"/>
+                <a:cs typeface="Adobe Devanagari" pitchFamily="18" charset="0"/>
+              </a:rPr>
+              <a:t>(</a:t>
+            </a:r>
+            <a:r>
+              <a:rPr lang="de-DE" i="1" dirty="0" smtClean="0">
+                <a:solidFill>
+                  <a:srgbClr val="FF0000"/>
+                </a:solidFill>
+                <a:latin typeface="Adobe Devanagari" pitchFamily="18" charset="0"/>
+                <a:cs typeface="Adobe Devanagari" pitchFamily="18" charset="0"/>
+              </a:rPr>
+              <a:t>x</a:t>
+            </a:r>
+            <a:r>
+              <a:rPr lang="de-DE" i="1" dirty="0" smtClean="0">
+                <a:latin typeface="Adobe Devanagari" pitchFamily="18" charset="0"/>
+                <a:cs typeface="Adobe Devanagari" pitchFamily="18" charset="0"/>
+              </a:rPr>
+              <a:t> </a:t>
+            </a:r>
+            <a:r>
+              <a:rPr lang="de-DE" i="1" dirty="0" smtClean="0">
+                <a:solidFill>
+                  <a:schemeClr val="accent2"/>
+                </a:solidFill>
+                <a:latin typeface="Adobe Devanagari" pitchFamily="18" charset="0"/>
+                <a:cs typeface="Adobe Devanagari" pitchFamily="18" charset="0"/>
+              </a:rPr>
+              <a:t>y</a:t>
+            </a:r>
+            <a:r>
+              <a:rPr lang="de-DE" i="1" dirty="0" smtClean="0">
+                <a:latin typeface="Adobe Devanagari" pitchFamily="18" charset="0"/>
+                <a:cs typeface="Adobe Devanagari" pitchFamily="18" charset="0"/>
+              </a:rPr>
+              <a:t> </a:t>
+            </a:r>
+            <a:r>
+              <a:rPr lang="de-DE" i="1" dirty="0" smtClean="0">
+                <a:solidFill>
+                  <a:srgbClr val="82BE3C"/>
+                </a:solidFill>
+                <a:latin typeface="Adobe Devanagari" pitchFamily="18" charset="0"/>
+                <a:cs typeface="Adobe Devanagari" pitchFamily="18" charset="0"/>
+              </a:rPr>
+              <a:t>z</a:t>
+            </a:r>
+            <a:r>
+              <a:rPr lang="de-DE" i="1" dirty="0" smtClean="0">
+                <a:solidFill>
+                  <a:schemeClr val="tx1"/>
+                </a:solidFill>
+                <a:latin typeface="Adobe Devanagari" pitchFamily="18" charset="0"/>
+                <a:cs typeface="Adobe Devanagari" pitchFamily="18" charset="0"/>
+              </a:rPr>
+              <a:t>)</a:t>
+            </a:r>
+            <a:endParaRPr lang="de-DE" dirty="0">
+              <a:solidFill>
+                <a:schemeClr val="tx1"/>
+              </a:solidFill>
+            </a:endParaRPr>
+          </a:p>
+        </p:txBody>
+      </p:sp>
+      <p:sp>
+        <p:nvSpPr>
+          <p:cNvPr id="4" name="Fußzeilenplatzhalter 3"/>
+          <p:cNvSpPr>
+            <a:spLocks noGrp="1"/>
+          </p:cNvSpPr>
+          <p:nvPr>
+            <p:ph type="ftr" sz="quarter" idx="10"/>
+          </p:nvPr>
+        </p:nvSpPr>
+        <p:spPr/>
+        <p:txBody>
+          <a:bodyPr/>
+          <a:lstStyle/>
+          <a:p>
+            <a:r>
+              <a:rPr lang="de-DE" smtClean="0"/>
+              <a:t>Team Lamb.da</a:t>
+            </a:r>
+            <a:endParaRPr lang="de-DE" dirty="0"/>
+          </a:p>
+        </p:txBody>
+      </p:sp>
+      <p:sp>
+        <p:nvSpPr>
+          <p:cNvPr id="5" name="Datumsplatzhalter 4"/>
+          <p:cNvSpPr>
+            <a:spLocks noGrp="1"/>
+          </p:cNvSpPr>
+          <p:nvPr>
+            <p:ph type="dt" sz="half" idx="2"/>
+          </p:nvPr>
+        </p:nvSpPr>
+        <p:spPr/>
+        <p:txBody>
+          <a:bodyPr/>
+          <a:lstStyle/>
+          <a:p>
+            <a:r>
+              <a:rPr lang="de-DE" smtClean="0"/>
+              <a:t>15.01.2015</a:t>
+            </a:r>
+            <a:endParaRPr lang="de-DE" dirty="0"/>
+          </a:p>
+        </p:txBody>
+      </p:sp>
+      <p:sp>
+        <p:nvSpPr>
+          <p:cNvPr id="6" name="Textfeld 5"/>
+          <p:cNvSpPr txBox="1"/>
+          <p:nvPr/>
+        </p:nvSpPr>
+        <p:spPr>
+          <a:xfrm>
+            <a:off x="2039461" y="1906959"/>
+            <a:ext cx="1208985" cy="307777"/>
+          </a:xfrm>
+          <a:prstGeom prst="rect">
+            <a:avLst/>
+          </a:prstGeom>
+          <a:noFill/>
+        </p:spPr>
+        <p:txBody>
+          <a:bodyPr wrap="none" rtlCol="0">
+            <a:spAutoFit/>
+          </a:bodyPr>
+          <a:lstStyle/>
+          <a:p>
+            <a:r>
+              <a:rPr lang="de-DE" sz="1400" dirty="0" err="1" smtClean="0"/>
+              <a:t>LambdaRoot</a:t>
+            </a:r>
+            <a:endParaRPr lang="de-DE" sz="1400" dirty="0"/>
+          </a:p>
+        </p:txBody>
+      </p:sp>
+      <p:cxnSp>
+        <p:nvCxnSpPr>
+          <p:cNvPr id="10" name="Gerade Verbindung mit Pfeil 9"/>
+          <p:cNvCxnSpPr>
+            <a:stCxn id="6" idx="2"/>
+            <a:endCxn id="25" idx="0"/>
+          </p:cNvCxnSpPr>
+          <p:nvPr/>
+        </p:nvCxnSpPr>
+        <p:spPr>
+          <a:xfrm>
+            <a:off x="2643954" y="2214736"/>
+            <a:ext cx="0" cy="573440"/>
+          </a:xfrm>
+          <a:prstGeom prst="straightConnector1">
+            <a:avLst/>
+          </a:prstGeom>
+          <a:ln w="19050">
+            <a:solidFill>
+              <a:schemeClr val="tx1"/>
+            </a:solidFill>
+            <a:tailEnd type="arrow"/>
+          </a:ln>
+        </p:spPr>
+        <p:style>
+          <a:lnRef idx="1">
+            <a:schemeClr val="accent1"/>
+          </a:lnRef>
+          <a:fillRef idx="0">
+            <a:schemeClr val="accent1"/>
+          </a:fillRef>
+          <a:effectRef idx="0">
+            <a:schemeClr val="accent1"/>
+          </a:effectRef>
+          <a:fontRef idx="minor">
+            <a:schemeClr val="tx1"/>
+          </a:fontRef>
+        </p:style>
+      </p:cxnSp>
+      <p:cxnSp>
+        <p:nvCxnSpPr>
+          <p:cNvPr id="15" name="Gerade Verbindung 14"/>
+          <p:cNvCxnSpPr/>
+          <p:nvPr/>
+        </p:nvCxnSpPr>
+        <p:spPr>
+          <a:xfrm>
+            <a:off x="4574121" y="1196752"/>
+            <a:ext cx="0" cy="5112568"/>
+          </a:xfrm>
+          <a:prstGeom prst="line">
+            <a:avLst/>
+          </a:prstGeom>
+          <a:ln w="12700">
+            <a:solidFill>
+              <a:schemeClr val="tx1"/>
+            </a:solidFill>
+          </a:ln>
+        </p:spPr>
+        <p:style>
+          <a:lnRef idx="1">
+            <a:schemeClr val="accent1"/>
+          </a:lnRef>
+          <a:fillRef idx="0">
+            <a:schemeClr val="accent1"/>
+          </a:fillRef>
+          <a:effectRef idx="0">
+            <a:schemeClr val="accent1"/>
+          </a:effectRef>
+          <a:fontRef idx="minor">
+            <a:schemeClr val="tx1"/>
+          </a:fontRef>
+        </p:style>
+      </p:cxnSp>
+      <p:cxnSp>
+        <p:nvCxnSpPr>
+          <p:cNvPr id="18" name="Gerade Verbindung 17"/>
+          <p:cNvCxnSpPr/>
+          <p:nvPr/>
+        </p:nvCxnSpPr>
+        <p:spPr>
+          <a:xfrm>
+            <a:off x="179512" y="1484784"/>
+            <a:ext cx="8784976" cy="0"/>
+          </a:xfrm>
+          <a:prstGeom prst="line">
+            <a:avLst/>
+          </a:prstGeom>
+          <a:ln w="12700">
+            <a:solidFill>
+              <a:schemeClr val="tx1"/>
+            </a:solidFill>
+          </a:ln>
+        </p:spPr>
+        <p:style>
+          <a:lnRef idx="1">
+            <a:schemeClr val="accent1"/>
+          </a:lnRef>
+          <a:fillRef idx="0">
+            <a:schemeClr val="accent1"/>
+          </a:fillRef>
+          <a:effectRef idx="0">
+            <a:schemeClr val="accent1"/>
+          </a:effectRef>
+          <a:fontRef idx="minor">
+            <a:schemeClr val="tx1"/>
+          </a:fontRef>
+        </p:style>
+      </p:cxnSp>
+      <p:sp>
+        <p:nvSpPr>
+          <p:cNvPr id="21" name="Textfeld 20"/>
+          <p:cNvSpPr txBox="1"/>
+          <p:nvPr/>
+        </p:nvSpPr>
+        <p:spPr>
+          <a:xfrm>
+            <a:off x="2039461" y="1039084"/>
+            <a:ext cx="813043" cy="369332"/>
+          </a:xfrm>
+          <a:prstGeom prst="rect">
+            <a:avLst/>
+          </a:prstGeom>
+          <a:noFill/>
+        </p:spPr>
+        <p:txBody>
+          <a:bodyPr wrap="none" rtlCol="0">
+            <a:spAutoFit/>
+          </a:bodyPr>
+          <a:lstStyle/>
+          <a:p>
+            <a:r>
+              <a:rPr lang="de-DE" dirty="0" smtClean="0"/>
+              <a:t>Model</a:t>
+            </a:r>
+            <a:endParaRPr lang="de-DE" dirty="0"/>
+          </a:p>
+        </p:txBody>
+      </p:sp>
+      <p:sp>
+        <p:nvSpPr>
+          <p:cNvPr id="22" name="Textfeld 21"/>
+          <p:cNvSpPr txBox="1"/>
+          <p:nvPr/>
+        </p:nvSpPr>
+        <p:spPr>
+          <a:xfrm>
+            <a:off x="6156176" y="1068388"/>
+            <a:ext cx="1680909" cy="369332"/>
+          </a:xfrm>
+          <a:prstGeom prst="rect">
+            <a:avLst/>
+          </a:prstGeom>
+          <a:noFill/>
+        </p:spPr>
+        <p:txBody>
+          <a:bodyPr wrap="none" rtlCol="0">
+            <a:spAutoFit/>
+          </a:bodyPr>
+          <a:lstStyle/>
+          <a:p>
+            <a:r>
+              <a:rPr lang="de-DE" dirty="0" err="1" smtClean="0"/>
+              <a:t>ViewController</a:t>
+            </a:r>
+            <a:endParaRPr lang="de-DE" dirty="0"/>
+          </a:p>
+        </p:txBody>
+      </p:sp>
+      <p:sp>
+        <p:nvSpPr>
+          <p:cNvPr id="25" name="Textfeld 24"/>
+          <p:cNvSpPr txBox="1"/>
+          <p:nvPr/>
+        </p:nvSpPr>
+        <p:spPr>
+          <a:xfrm>
+            <a:off x="1790194" y="2788176"/>
+            <a:ext cx="1707519" cy="307777"/>
+          </a:xfrm>
+          <a:prstGeom prst="rect">
+            <a:avLst/>
+          </a:prstGeom>
+          <a:noFill/>
+        </p:spPr>
+        <p:txBody>
+          <a:bodyPr wrap="none" rtlCol="0">
+            <a:spAutoFit/>
+          </a:bodyPr>
+          <a:lstStyle/>
+          <a:p>
+            <a:r>
+              <a:rPr lang="de-DE" sz="1400" dirty="0" err="1" smtClean="0"/>
+              <a:t>LambdaApplication</a:t>
+            </a:r>
+            <a:endParaRPr lang="de-DE" sz="1400" dirty="0"/>
+          </a:p>
+        </p:txBody>
+      </p:sp>
+      <p:sp>
+        <p:nvSpPr>
+          <p:cNvPr id="28" name="Textfeld 27"/>
+          <p:cNvSpPr txBox="1"/>
+          <p:nvPr/>
+        </p:nvSpPr>
+        <p:spPr>
+          <a:xfrm>
+            <a:off x="987877" y="3581301"/>
+            <a:ext cx="1707519" cy="307777"/>
+          </a:xfrm>
+          <a:prstGeom prst="rect">
+            <a:avLst/>
+          </a:prstGeom>
+          <a:noFill/>
+        </p:spPr>
+        <p:txBody>
+          <a:bodyPr wrap="none" rtlCol="0">
+            <a:spAutoFit/>
+          </a:bodyPr>
+          <a:lstStyle/>
+          <a:p>
+            <a:r>
+              <a:rPr lang="de-DE" sz="1400" dirty="0" err="1" smtClean="0"/>
+              <a:t>LambdaApplication</a:t>
+            </a:r>
+            <a:endParaRPr lang="de-DE" sz="1400" dirty="0"/>
+          </a:p>
+        </p:txBody>
+      </p:sp>
+      <p:cxnSp>
+        <p:nvCxnSpPr>
+          <p:cNvPr id="29" name="Gerade Verbindung mit Pfeil 28"/>
+          <p:cNvCxnSpPr>
+            <a:stCxn id="25" idx="2"/>
+            <a:endCxn id="28" idx="0"/>
+          </p:cNvCxnSpPr>
+          <p:nvPr/>
+        </p:nvCxnSpPr>
+        <p:spPr>
+          <a:xfrm flipH="1">
+            <a:off x="1841637" y="3095953"/>
+            <a:ext cx="802317" cy="485348"/>
+          </a:xfrm>
+          <a:prstGeom prst="straightConnector1">
+            <a:avLst/>
+          </a:prstGeom>
+          <a:ln w="19050">
+            <a:solidFill>
+              <a:schemeClr val="tx1"/>
+            </a:solidFill>
+            <a:tailEnd type="arrow"/>
+          </a:ln>
+        </p:spPr>
+        <p:style>
+          <a:lnRef idx="1">
+            <a:schemeClr val="accent1"/>
+          </a:lnRef>
+          <a:fillRef idx="0">
+            <a:schemeClr val="accent1"/>
+          </a:fillRef>
+          <a:effectRef idx="0">
+            <a:schemeClr val="accent1"/>
+          </a:effectRef>
+          <a:fontRef idx="minor">
+            <a:schemeClr val="tx1"/>
+          </a:fontRef>
+        </p:style>
+      </p:cxnSp>
+      <p:sp>
+        <p:nvSpPr>
+          <p:cNvPr id="32" name="Textfeld 31"/>
+          <p:cNvSpPr txBox="1"/>
+          <p:nvPr/>
+        </p:nvSpPr>
+        <p:spPr>
+          <a:xfrm>
+            <a:off x="377626" y="4365436"/>
+            <a:ext cx="1474571" cy="307777"/>
+          </a:xfrm>
+          <a:prstGeom prst="rect">
+            <a:avLst/>
+          </a:prstGeom>
+          <a:noFill/>
+        </p:spPr>
+        <p:txBody>
+          <a:bodyPr wrap="none" rtlCol="0">
+            <a:spAutoFit/>
+          </a:bodyPr>
+          <a:lstStyle/>
+          <a:p>
+            <a:r>
+              <a:rPr lang="de-DE" sz="1400" dirty="0" err="1" smtClean="0">
+                <a:solidFill>
+                  <a:srgbClr val="FF0000"/>
+                </a:solidFill>
+              </a:rPr>
+              <a:t>LambdaVariable</a:t>
+            </a:r>
+            <a:endParaRPr lang="de-DE" sz="1400" dirty="0">
+              <a:solidFill>
+                <a:srgbClr val="FF0000"/>
+              </a:solidFill>
+            </a:endParaRPr>
+          </a:p>
+        </p:txBody>
+      </p:sp>
+      <p:cxnSp>
+        <p:nvCxnSpPr>
+          <p:cNvPr id="33" name="Gerade Verbindung mit Pfeil 32"/>
+          <p:cNvCxnSpPr>
+            <a:stCxn id="25" idx="2"/>
+            <a:endCxn id="37" idx="0"/>
+          </p:cNvCxnSpPr>
+          <p:nvPr/>
+        </p:nvCxnSpPr>
+        <p:spPr>
+          <a:xfrm>
+            <a:off x="2643954" y="3095953"/>
+            <a:ext cx="853759" cy="503194"/>
+          </a:xfrm>
+          <a:prstGeom prst="straightConnector1">
+            <a:avLst/>
+          </a:prstGeom>
+          <a:ln w="19050">
+            <a:solidFill>
+              <a:schemeClr val="tx1"/>
+            </a:solidFill>
+            <a:tailEnd type="arrow"/>
+          </a:ln>
+        </p:spPr>
+        <p:style>
+          <a:lnRef idx="1">
+            <a:schemeClr val="accent1"/>
+          </a:lnRef>
+          <a:fillRef idx="0">
+            <a:schemeClr val="accent1"/>
+          </a:fillRef>
+          <a:effectRef idx="0">
+            <a:schemeClr val="accent1"/>
+          </a:effectRef>
+          <a:fontRef idx="minor">
+            <a:schemeClr val="tx1"/>
+          </a:fontRef>
+        </p:style>
+      </p:cxnSp>
+      <p:sp>
+        <p:nvSpPr>
+          <p:cNvPr id="36" name="Textfeld 35"/>
+          <p:cNvSpPr txBox="1"/>
+          <p:nvPr/>
+        </p:nvSpPr>
+        <p:spPr>
+          <a:xfrm>
+            <a:off x="1958111" y="4365104"/>
+            <a:ext cx="1474571" cy="307777"/>
+          </a:xfrm>
+          <a:prstGeom prst="rect">
+            <a:avLst/>
+          </a:prstGeom>
+          <a:noFill/>
+        </p:spPr>
+        <p:txBody>
+          <a:bodyPr wrap="none" rtlCol="0">
+            <a:spAutoFit/>
+          </a:bodyPr>
+          <a:lstStyle/>
+          <a:p>
+            <a:r>
+              <a:rPr lang="de-DE" sz="1400" dirty="0" err="1" smtClean="0">
+                <a:solidFill>
+                  <a:schemeClr val="accent2"/>
+                </a:solidFill>
+              </a:rPr>
+              <a:t>LambdaVariable</a:t>
+            </a:r>
+            <a:endParaRPr lang="de-DE" sz="1400" dirty="0">
+              <a:solidFill>
+                <a:schemeClr val="accent2"/>
+              </a:solidFill>
+            </a:endParaRPr>
+          </a:p>
+        </p:txBody>
+      </p:sp>
+      <p:sp>
+        <p:nvSpPr>
+          <p:cNvPr id="37" name="Textfeld 36"/>
+          <p:cNvSpPr txBox="1"/>
+          <p:nvPr/>
+        </p:nvSpPr>
+        <p:spPr>
+          <a:xfrm>
+            <a:off x="2760427" y="3599147"/>
+            <a:ext cx="1474571" cy="307777"/>
+          </a:xfrm>
+          <a:prstGeom prst="rect">
+            <a:avLst/>
+          </a:prstGeom>
+          <a:noFill/>
+        </p:spPr>
+        <p:txBody>
+          <a:bodyPr wrap="none" rtlCol="0">
+            <a:spAutoFit/>
+          </a:bodyPr>
+          <a:lstStyle/>
+          <a:p>
+            <a:r>
+              <a:rPr lang="de-DE" sz="1400" dirty="0" err="1" smtClean="0">
+                <a:solidFill>
+                  <a:srgbClr val="00B050"/>
+                </a:solidFill>
+              </a:rPr>
+              <a:t>LambdaVariable</a:t>
+            </a:r>
+            <a:endParaRPr lang="de-DE" sz="1400" dirty="0">
+              <a:solidFill>
+                <a:srgbClr val="00B050"/>
+              </a:solidFill>
+            </a:endParaRPr>
+          </a:p>
+        </p:txBody>
+      </p:sp>
+      <p:cxnSp>
+        <p:nvCxnSpPr>
+          <p:cNvPr id="38" name="Gerade Verbindung mit Pfeil 37"/>
+          <p:cNvCxnSpPr>
+            <a:stCxn id="28" idx="2"/>
+            <a:endCxn id="36" idx="0"/>
+          </p:cNvCxnSpPr>
+          <p:nvPr/>
+        </p:nvCxnSpPr>
+        <p:spPr>
+          <a:xfrm>
+            <a:off x="1841637" y="3889078"/>
+            <a:ext cx="853760" cy="476026"/>
+          </a:xfrm>
+          <a:prstGeom prst="straightConnector1">
+            <a:avLst/>
+          </a:prstGeom>
+          <a:ln w="19050">
+            <a:solidFill>
+              <a:schemeClr val="tx1"/>
+            </a:solidFill>
+            <a:tailEnd type="arrow"/>
+          </a:ln>
+        </p:spPr>
+        <p:style>
+          <a:lnRef idx="1">
+            <a:schemeClr val="accent1"/>
+          </a:lnRef>
+          <a:fillRef idx="0">
+            <a:schemeClr val="accent1"/>
+          </a:fillRef>
+          <a:effectRef idx="0">
+            <a:schemeClr val="accent1"/>
+          </a:effectRef>
+          <a:fontRef idx="minor">
+            <a:schemeClr val="tx1"/>
+          </a:fontRef>
+        </p:style>
+      </p:cxnSp>
+      <p:cxnSp>
+        <p:nvCxnSpPr>
+          <p:cNvPr id="41" name="Gerade Verbindung mit Pfeil 40"/>
+          <p:cNvCxnSpPr>
+            <a:stCxn id="28" idx="2"/>
+            <a:endCxn id="32" idx="0"/>
+          </p:cNvCxnSpPr>
+          <p:nvPr/>
+        </p:nvCxnSpPr>
+        <p:spPr>
+          <a:xfrm flipH="1">
+            <a:off x="1114912" y="3889078"/>
+            <a:ext cx="726725" cy="476358"/>
+          </a:xfrm>
+          <a:prstGeom prst="straightConnector1">
+            <a:avLst/>
+          </a:prstGeom>
+          <a:ln w="19050">
+            <a:solidFill>
+              <a:schemeClr val="tx1"/>
+            </a:solidFill>
+            <a:tailEnd type="arrow"/>
+          </a:ln>
+        </p:spPr>
+        <p:style>
+          <a:lnRef idx="1">
+            <a:schemeClr val="accent1"/>
+          </a:lnRef>
+          <a:fillRef idx="0">
+            <a:schemeClr val="accent1"/>
+          </a:fillRef>
+          <a:effectRef idx="0">
+            <a:schemeClr val="accent1"/>
+          </a:effectRef>
+          <a:fontRef idx="minor">
+            <a:schemeClr val="tx1"/>
+          </a:fontRef>
+        </p:style>
+      </p:cxnSp>
+      <p:cxnSp>
+        <p:nvCxnSpPr>
+          <p:cNvPr id="52" name="Gerade Verbindung mit Pfeil 51"/>
+          <p:cNvCxnSpPr/>
+          <p:nvPr/>
+        </p:nvCxnSpPr>
+        <p:spPr>
+          <a:xfrm flipH="1">
+            <a:off x="5868144" y="1928016"/>
+            <a:ext cx="950932" cy="573440"/>
+          </a:xfrm>
+          <a:prstGeom prst="straightConnector1">
+            <a:avLst/>
+          </a:prstGeom>
+          <a:ln w="19050">
+            <a:solidFill>
+              <a:schemeClr val="tx1"/>
+            </a:solidFill>
+            <a:tailEnd type="arrow"/>
+          </a:ln>
+        </p:spPr>
+        <p:style>
+          <a:lnRef idx="1">
+            <a:schemeClr val="accent1"/>
+          </a:lnRef>
+          <a:fillRef idx="0">
+            <a:schemeClr val="accent1"/>
+          </a:fillRef>
+          <a:effectRef idx="0">
+            <a:schemeClr val="accent1"/>
+          </a:effectRef>
+          <a:fontRef idx="minor">
+            <a:schemeClr val="tx1"/>
+          </a:fontRef>
+        </p:style>
+      </p:cxnSp>
+      <p:pic>
+        <p:nvPicPr>
+          <p:cNvPr id="4098" name="Picture 2" descr="D:\Downloads\pse\repository\LambdaDasSpiel\1-pflichtenheft\gui\sprites\gem_red.png"/>
+          <p:cNvPicPr>
+            <a:picLocks noChangeAspect="1" noChangeArrowheads="1"/>
+          </p:cNvPicPr>
+          <p:nvPr/>
+        </p:nvPicPr>
+        <p:blipFill>
+          <a:blip r:embed="rId2" cstate="print">
+            <a:extLst>
+              <a:ext uri="{28A0092B-C50C-407E-A947-70E740481C1C}">
+                <a14:useLocalDpi xmlns:a14="http://schemas.microsoft.com/office/drawing/2010/main" val="0"/>
+              </a:ext>
+            </a:extLst>
+          </a:blip>
+          <a:srcRect/>
+          <a:stretch>
+            <a:fillRect/>
+          </a:stretch>
+        </p:blipFill>
+        <p:spPr bwMode="auto">
+          <a:xfrm>
+            <a:off x="5666954" y="2602456"/>
+            <a:ext cx="449262" cy="758825"/>
+          </a:xfrm>
+          <a:prstGeom prst="rect">
+            <a:avLst/>
+          </a:prstGeom>
+          <a:noFill/>
+          <a:extLst>
+            <a:ext uri="{909E8E84-426E-40DD-AFC4-6F175D3DCCD1}">
+              <a14:hiddenFill xmlns:a14="http://schemas.microsoft.com/office/drawing/2010/main">
+                <a:solidFill>
+                  <a:srgbClr val="FFFFFF"/>
+                </a:solidFill>
+              </a14:hiddenFill>
+            </a:ext>
+          </a:extLst>
+        </p:spPr>
+      </p:pic>
+      <p:pic>
+        <p:nvPicPr>
+          <p:cNvPr id="4099" name="Picture 3" descr="D:\Downloads\pse\repository\LambdaDasSpiel\1-pflichtenheft\gui\sprites\gem_blue.png"/>
+          <p:cNvPicPr>
+            <a:picLocks noChangeAspect="1" noChangeArrowheads="1"/>
+          </p:cNvPicPr>
+          <p:nvPr/>
+        </p:nvPicPr>
+        <p:blipFill>
+          <a:blip r:embed="rId3" cstate="print">
+            <a:extLst>
+              <a:ext uri="{28A0092B-C50C-407E-A947-70E740481C1C}">
+                <a14:useLocalDpi xmlns:a14="http://schemas.microsoft.com/office/drawing/2010/main" val="0"/>
+              </a:ext>
+            </a:extLst>
+          </a:blip>
+          <a:srcRect/>
+          <a:stretch>
+            <a:fillRect/>
+          </a:stretch>
+        </p:blipFill>
+        <p:spPr bwMode="auto">
+          <a:xfrm>
+            <a:off x="6597626" y="2602242"/>
+            <a:ext cx="449263" cy="758825"/>
+          </a:xfrm>
+          <a:prstGeom prst="rect">
+            <a:avLst/>
+          </a:prstGeom>
+          <a:noFill/>
+          <a:extLst>
+            <a:ext uri="{909E8E84-426E-40DD-AFC4-6F175D3DCCD1}">
+              <a14:hiddenFill xmlns:a14="http://schemas.microsoft.com/office/drawing/2010/main">
+                <a:solidFill>
+                  <a:srgbClr val="FFFFFF"/>
+                </a:solidFill>
+              </a14:hiddenFill>
+            </a:ext>
+          </a:extLst>
+        </p:spPr>
+      </p:pic>
+      <p:pic>
+        <p:nvPicPr>
+          <p:cNvPr id="4100" name="Picture 4" descr="D:\Downloads\pse\repository\LambdaDasSpiel\1-pflichtenheft\gui\sprites\gem_green.png"/>
+          <p:cNvPicPr>
+            <a:picLocks noChangeAspect="1" noChangeArrowheads="1"/>
+          </p:cNvPicPr>
+          <p:nvPr/>
+        </p:nvPicPr>
+        <p:blipFill>
+          <a:blip r:embed="rId4" cstate="print">
+            <a:extLst>
+              <a:ext uri="{28A0092B-C50C-407E-A947-70E740481C1C}">
+                <a14:useLocalDpi xmlns:a14="http://schemas.microsoft.com/office/drawing/2010/main" val="0"/>
+              </a:ext>
+            </a:extLst>
+          </a:blip>
+          <a:srcRect/>
+          <a:stretch>
+            <a:fillRect/>
+          </a:stretch>
+        </p:blipFill>
+        <p:spPr bwMode="auto">
+          <a:xfrm>
+            <a:off x="7524328" y="2602241"/>
+            <a:ext cx="449262" cy="758825"/>
+          </a:xfrm>
+          <a:prstGeom prst="rect">
+            <a:avLst/>
+          </a:prstGeom>
+          <a:noFill/>
+          <a:extLst>
+            <a:ext uri="{909E8E84-426E-40DD-AFC4-6F175D3DCCD1}">
+              <a14:hiddenFill xmlns:a14="http://schemas.microsoft.com/office/drawing/2010/main">
+                <a:solidFill>
+                  <a:srgbClr val="FFFFFF"/>
+                </a:solidFill>
+              </a14:hiddenFill>
+            </a:ext>
+          </a:extLst>
+        </p:spPr>
+      </p:pic>
+      <p:cxnSp>
+        <p:nvCxnSpPr>
+          <p:cNvPr id="57" name="Gerade Verbindung mit Pfeil 56"/>
+          <p:cNvCxnSpPr/>
+          <p:nvPr/>
+        </p:nvCxnSpPr>
+        <p:spPr>
+          <a:xfrm flipH="1">
+            <a:off x="6819076" y="1928016"/>
+            <a:ext cx="1" cy="573440"/>
+          </a:xfrm>
+          <a:prstGeom prst="straightConnector1">
+            <a:avLst/>
+          </a:prstGeom>
+          <a:ln w="19050">
+            <a:solidFill>
+              <a:schemeClr val="tx1"/>
+            </a:solidFill>
+            <a:tailEnd type="arrow"/>
+          </a:ln>
+        </p:spPr>
+        <p:style>
+          <a:lnRef idx="1">
+            <a:schemeClr val="accent1"/>
+          </a:lnRef>
+          <a:fillRef idx="0">
+            <a:schemeClr val="accent1"/>
+          </a:fillRef>
+          <a:effectRef idx="0">
+            <a:schemeClr val="accent1"/>
+          </a:effectRef>
+          <a:fontRef idx="minor">
+            <a:schemeClr val="tx1"/>
+          </a:fontRef>
+        </p:style>
+      </p:cxnSp>
+      <p:cxnSp>
+        <p:nvCxnSpPr>
+          <p:cNvPr id="60" name="Gerade Verbindung mit Pfeil 59"/>
+          <p:cNvCxnSpPr/>
+          <p:nvPr/>
+        </p:nvCxnSpPr>
+        <p:spPr>
+          <a:xfrm>
+            <a:off x="6822257" y="1928016"/>
+            <a:ext cx="926702" cy="573440"/>
+          </a:xfrm>
+          <a:prstGeom prst="straightConnector1">
+            <a:avLst/>
+          </a:prstGeom>
+          <a:ln w="19050">
+            <a:solidFill>
+              <a:schemeClr val="tx1"/>
+            </a:solidFill>
+            <a:tailEnd type="arrow"/>
+          </a:ln>
+        </p:spPr>
+        <p:style>
+          <a:lnRef idx="1">
+            <a:schemeClr val="accent1"/>
+          </a:lnRef>
+          <a:fillRef idx="0">
+            <a:schemeClr val="accent1"/>
+          </a:fillRef>
+          <a:effectRef idx="0">
+            <a:schemeClr val="accent1"/>
+          </a:effectRef>
+          <a:fontRef idx="minor">
+            <a:schemeClr val="tx1"/>
+          </a:fontRef>
+        </p:style>
+      </p:cxnSp>
+      <p:sp>
+        <p:nvSpPr>
+          <p:cNvPr id="64" name="Textfeld 63"/>
+          <p:cNvSpPr txBox="1"/>
+          <p:nvPr/>
+        </p:nvSpPr>
+        <p:spPr>
+          <a:xfrm>
+            <a:off x="5962142" y="1605784"/>
+            <a:ext cx="1713867" cy="307777"/>
+          </a:xfrm>
+          <a:prstGeom prst="rect">
+            <a:avLst/>
+          </a:prstGeom>
+          <a:noFill/>
+        </p:spPr>
+        <p:txBody>
+          <a:bodyPr wrap="none" rtlCol="0">
+            <a:spAutoFit/>
+          </a:bodyPr>
+          <a:lstStyle/>
+          <a:p>
+            <a:r>
+              <a:rPr lang="de-DE" sz="1400" dirty="0" smtClean="0"/>
+              <a:t>unsichtbare Wurzel</a:t>
+            </a:r>
+            <a:endParaRPr lang="de-DE" sz="1400" dirty="0"/>
+          </a:p>
+        </p:txBody>
+      </p:sp>
+    </p:spTree>
+    <p:extLst>
+      <p:ext uri="{BB962C8B-B14F-4D97-AF65-F5344CB8AC3E}">
+        <p14:creationId xmlns:p14="http://schemas.microsoft.com/office/powerpoint/2010/main" val="4017787118"/>
       </p:ext>
     </p:extLst>
   </p:cSld>
@@ -5229,7 +6623,7 @@
 </p:sld>
 </file>
 
-<file path=ppt/slides/slide4.xml><?xml version="1.0" encoding="utf-8"?>
+<file path=ppt/slides/slide5.xml><?xml version="1.0" encoding="utf-8"?>
 <p:sld xmlns:a="http://schemas.openxmlformats.org/drawingml/2006/main" xmlns:r="http://schemas.openxmlformats.org/officeDocument/2006/relationships" xmlns:p="http://schemas.openxmlformats.org/presentationml/2006/main">
   <p:cSld>
     <p:spTree>
@@ -5268,7 +6662,7 @@
           <a:graphicData uri="http://schemas.openxmlformats.org/presentationml/2006/ole">
             <mc:AlternateContent xmlns:mc="http://schemas.openxmlformats.org/markup-compatibility/2006">
               <mc:Choice xmlns:v="urn:schemas-microsoft-com:vml" Requires="v">
-                <p:oleObj spid="_x0000_s3078" name="Acrobat Document" r:id="rId3" imgW="7714997" imgH="3047760" progId="AcroExch.Document.11">
+                <p:oleObj spid="_x0000_s3081" name="Acrobat Document" r:id="rId3" imgW="7714997" imgH="3047760" progId="AcroExch.Document.11">
                   <p:embed/>
                 </p:oleObj>
               </mc:Choice>
@@ -5728,7 +7122,7 @@
 </p:sld>
 </file>
 
-<file path=ppt/slides/slide5.xml><?xml version="1.0" encoding="utf-8"?>
+<file path=ppt/slides/slide6.xml><?xml version="1.0" encoding="utf-8"?>
 <p:sld xmlns:a="http://schemas.openxmlformats.org/drawingml/2006/main" xmlns:r="http://schemas.openxmlformats.org/officeDocument/2006/relationships" xmlns:p="http://schemas.openxmlformats.org/presentationml/2006/main">
   <p:cSld>
     <p:spTree>
@@ -8070,7 +9464,7 @@
 </p:sld>
 </file>
 
-<file path=ppt/slides/slide6.xml><?xml version="1.0" encoding="utf-8"?>
+<file path=ppt/slides/slide7.xml><?xml version="1.0" encoding="utf-8"?>
 <p:sld xmlns:a="http://schemas.openxmlformats.org/drawingml/2006/main" xmlns:r="http://schemas.openxmlformats.org/officeDocument/2006/relationships" xmlns:p="http://schemas.openxmlformats.org/presentationml/2006/main">
   <p:cSld>
     <p:spTree>
@@ -8104,77 +9498,13 @@
           <a:p>
             <a:r>
               <a:rPr lang="de-DE" dirty="0" smtClean="0"/>
-              <a:t>Vergleich Lambda Term Struktur </a:t>
-            </a:r>
-            <a:r>
-              <a:rPr lang="de-DE" i="1" dirty="0" smtClean="0">
-                <a:solidFill>
-                  <a:schemeClr val="tx1"/>
-                </a:solidFill>
-                <a:latin typeface="Adobe Devanagari" pitchFamily="18" charset="0"/>
-                <a:cs typeface="Adobe Devanagari" pitchFamily="18" charset="0"/>
-              </a:rPr>
-              <a:t>(</a:t>
-            </a:r>
-            <a:r>
-              <a:rPr lang="de-DE" i="1" dirty="0" smtClean="0">
-                <a:solidFill>
-                  <a:srgbClr val="FF0000"/>
-                </a:solidFill>
-                <a:latin typeface="Adobe Devanagari" pitchFamily="18" charset="0"/>
-                <a:cs typeface="Adobe Devanagari" pitchFamily="18" charset="0"/>
-              </a:rPr>
-              <a:t>x</a:t>
-            </a:r>
-            <a:r>
-              <a:rPr lang="de-DE" i="1" dirty="0" smtClean="0">
-                <a:latin typeface="Adobe Devanagari" pitchFamily="18" charset="0"/>
-                <a:cs typeface="Adobe Devanagari" pitchFamily="18" charset="0"/>
-              </a:rPr>
-              <a:t> </a:t>
-            </a:r>
-            <a:r>
-              <a:rPr lang="de-DE" i="1" dirty="0" smtClean="0">
-                <a:solidFill>
-                  <a:schemeClr val="accent2"/>
-                </a:solidFill>
-                <a:latin typeface="Adobe Devanagari" pitchFamily="18" charset="0"/>
-                <a:cs typeface="Adobe Devanagari" pitchFamily="18" charset="0"/>
-              </a:rPr>
-              <a:t>y</a:t>
-            </a:r>
-            <a:r>
-              <a:rPr lang="de-DE" i="1" dirty="0" smtClean="0">
-                <a:latin typeface="Adobe Devanagari" pitchFamily="18" charset="0"/>
-                <a:cs typeface="Adobe Devanagari" pitchFamily="18" charset="0"/>
-              </a:rPr>
-              <a:t> </a:t>
-            </a:r>
-            <a:r>
-              <a:rPr lang="de-DE" i="1" dirty="0" smtClean="0">
-                <a:solidFill>
-                  <a:srgbClr val="82BE3C"/>
-                </a:solidFill>
-                <a:latin typeface="Adobe Devanagari" pitchFamily="18" charset="0"/>
-                <a:cs typeface="Adobe Devanagari" pitchFamily="18" charset="0"/>
-              </a:rPr>
-              <a:t>z</a:t>
-            </a:r>
-            <a:r>
-              <a:rPr lang="de-DE" i="1" dirty="0" smtClean="0">
-                <a:solidFill>
-                  <a:schemeClr val="tx1"/>
-                </a:solidFill>
-                <a:latin typeface="Adobe Devanagari" pitchFamily="18" charset="0"/>
-                <a:cs typeface="Adobe Devanagari" pitchFamily="18" charset="0"/>
-              </a:rPr>
-              <a:t>)</a:t>
-            </a:r>
-            <a:endParaRPr lang="de-DE" dirty="0">
-              <a:solidFill>
-                <a:schemeClr val="tx1"/>
-              </a:solidFill>
-            </a:endParaRPr>
+              <a:t>Beispiel: </a:t>
+            </a:r>
+            <a:r>
+              <a:rPr lang="de-DE" dirty="0" smtClean="0"/>
+              <a:t>Observer-Muster</a:t>
+            </a:r>
+            <a:endParaRPr lang="de-DE" dirty="0"/>
           </a:p>
         </p:txBody>
       </p:sp>
@@ -8194,8 +9524,12 @@
           <a:lstStyle/>
           <a:p>
             <a:r>
-              <a:rPr lang="de-DE" smtClean="0"/>
-              <a:t>Team Lamb.da</a:t>
+              <a:rPr lang="de-DE" dirty="0" smtClean="0"/>
+              <a:t>Team </a:t>
+            </a:r>
+            <a:r>
+              <a:rPr lang="de-DE" dirty="0" err="1" smtClean="0"/>
+              <a:t>Lamb.da</a:t>
             </a:r>
             <a:endParaRPr lang="de-DE" dirty="0"/>
           </a:p>
@@ -8224,800 +9558,67 @@
           </a:p>
         </p:txBody>
       </p:sp>
-      <p:sp>
-        <p:nvSpPr>
-          <p:cNvPr id="6" name="Textfeld 5"/>
-          <p:cNvSpPr txBox="1"/>
-          <p:nvPr/>
-        </p:nvSpPr>
-        <p:spPr>
-          <a:xfrm>
-            <a:off x="2039461" y="1906959"/>
-            <a:ext cx="1208985" cy="307777"/>
-          </a:xfrm>
-          <a:prstGeom prst="rect">
-            <a:avLst/>
-          </a:prstGeom>
-          <a:noFill/>
-        </p:spPr>
-        <p:txBody>
-          <a:bodyPr wrap="none" rtlCol="0">
-            <a:spAutoFit/>
-          </a:bodyPr>
-          <a:lstStyle/>
-          <a:p>
-            <a:r>
-              <a:rPr lang="de-DE" sz="1400" dirty="0" err="1" smtClean="0"/>
-              <a:t>LambdaRoot</a:t>
-            </a:r>
-            <a:endParaRPr lang="de-DE" sz="1400" dirty="0"/>
-          </a:p>
-        </p:txBody>
-      </p:sp>
-      <p:cxnSp>
-        <p:nvCxnSpPr>
-          <p:cNvPr id="10" name="Gerade Verbindung mit Pfeil 9"/>
-          <p:cNvCxnSpPr>
-            <a:stCxn id="6" idx="2"/>
-            <a:endCxn id="25" idx="0"/>
-          </p:cNvCxnSpPr>
-          <p:nvPr/>
-        </p:nvCxnSpPr>
-        <p:spPr>
-          <a:xfrm>
-            <a:off x="2643954" y="2214736"/>
-            <a:ext cx="0" cy="573440"/>
-          </a:xfrm>
-          <a:prstGeom prst="straightConnector1">
-            <a:avLst/>
-          </a:prstGeom>
-          <a:ln w="19050">
-            <a:solidFill>
-              <a:schemeClr val="tx1"/>
-            </a:solidFill>
-            <a:tailEnd type="arrow"/>
-          </a:ln>
-        </p:spPr>
-        <p:style>
-          <a:lnRef idx="1">
-            <a:schemeClr val="accent1"/>
-          </a:lnRef>
-          <a:fillRef idx="0">
-            <a:schemeClr val="accent1"/>
-          </a:fillRef>
-          <a:effectRef idx="0">
-            <a:schemeClr val="accent1"/>
-          </a:effectRef>
-          <a:fontRef idx="minor">
-            <a:schemeClr val="tx1"/>
-          </a:fontRef>
-        </p:style>
-      </p:cxnSp>
-      <p:cxnSp>
-        <p:nvCxnSpPr>
-          <p:cNvPr id="15" name="Gerade Verbindung 14"/>
-          <p:cNvCxnSpPr/>
-          <p:nvPr/>
-        </p:nvCxnSpPr>
-        <p:spPr>
-          <a:xfrm>
-            <a:off x="4574121" y="1196752"/>
-            <a:ext cx="0" cy="5112568"/>
-          </a:xfrm>
-          <a:prstGeom prst="line">
-            <a:avLst/>
-          </a:prstGeom>
-          <a:ln w="12700">
-            <a:solidFill>
-              <a:schemeClr val="tx1"/>
-            </a:solidFill>
-          </a:ln>
-        </p:spPr>
-        <p:style>
-          <a:lnRef idx="1">
-            <a:schemeClr val="accent1"/>
-          </a:lnRef>
-          <a:fillRef idx="0">
-            <a:schemeClr val="accent1"/>
-          </a:fillRef>
-          <a:effectRef idx="0">
-            <a:schemeClr val="accent1"/>
-          </a:effectRef>
-          <a:fontRef idx="minor">
-            <a:schemeClr val="tx1"/>
-          </a:fontRef>
-        </p:style>
-      </p:cxnSp>
-      <p:cxnSp>
-        <p:nvCxnSpPr>
-          <p:cNvPr id="18" name="Gerade Verbindung 17"/>
-          <p:cNvCxnSpPr/>
-          <p:nvPr/>
-        </p:nvCxnSpPr>
-        <p:spPr>
-          <a:xfrm>
-            <a:off x="179512" y="1484784"/>
-            <a:ext cx="8784976" cy="0"/>
-          </a:xfrm>
-          <a:prstGeom prst="line">
-            <a:avLst/>
-          </a:prstGeom>
-          <a:ln w="12700">
-            <a:solidFill>
-              <a:schemeClr val="tx1"/>
-            </a:solidFill>
-          </a:ln>
-        </p:spPr>
-        <p:style>
-          <a:lnRef idx="1">
-            <a:schemeClr val="accent1"/>
-          </a:lnRef>
-          <a:fillRef idx="0">
-            <a:schemeClr val="accent1"/>
-          </a:fillRef>
-          <a:effectRef idx="0">
-            <a:schemeClr val="accent1"/>
-          </a:effectRef>
-          <a:fontRef idx="minor">
-            <a:schemeClr val="tx1"/>
-          </a:fontRef>
-        </p:style>
-      </p:cxnSp>
-      <p:sp>
-        <p:nvSpPr>
-          <p:cNvPr id="21" name="Textfeld 20"/>
-          <p:cNvSpPr txBox="1"/>
-          <p:nvPr/>
-        </p:nvSpPr>
-        <p:spPr>
-          <a:xfrm>
-            <a:off x="2039461" y="1039084"/>
-            <a:ext cx="813043" cy="369332"/>
-          </a:xfrm>
-          <a:prstGeom prst="rect">
-            <a:avLst/>
-          </a:prstGeom>
-          <a:noFill/>
-        </p:spPr>
-        <p:txBody>
-          <a:bodyPr wrap="none" rtlCol="0">
-            <a:spAutoFit/>
-          </a:bodyPr>
-          <a:lstStyle/>
-          <a:p>
-            <a:r>
-              <a:rPr lang="de-DE" dirty="0" smtClean="0"/>
-              <a:t>Model</a:t>
-            </a:r>
-            <a:endParaRPr lang="de-DE" dirty="0"/>
-          </a:p>
-        </p:txBody>
-      </p:sp>
-      <p:sp>
-        <p:nvSpPr>
-          <p:cNvPr id="22" name="Textfeld 21"/>
-          <p:cNvSpPr txBox="1"/>
-          <p:nvPr/>
-        </p:nvSpPr>
-        <p:spPr>
-          <a:xfrm>
-            <a:off x="6156176" y="1068388"/>
-            <a:ext cx="1680909" cy="369332"/>
-          </a:xfrm>
-          <a:prstGeom prst="rect">
-            <a:avLst/>
-          </a:prstGeom>
-          <a:noFill/>
-        </p:spPr>
-        <p:txBody>
-          <a:bodyPr wrap="none" rtlCol="0">
-            <a:spAutoFit/>
-          </a:bodyPr>
-          <a:lstStyle/>
-          <a:p>
-            <a:r>
-              <a:rPr lang="de-DE" dirty="0" err="1" smtClean="0"/>
-              <a:t>ViewController</a:t>
-            </a:r>
-            <a:endParaRPr lang="de-DE" dirty="0"/>
-          </a:p>
-        </p:txBody>
-      </p:sp>
-      <p:sp>
-        <p:nvSpPr>
-          <p:cNvPr id="25" name="Textfeld 24"/>
-          <p:cNvSpPr txBox="1"/>
-          <p:nvPr/>
-        </p:nvSpPr>
-        <p:spPr>
-          <a:xfrm>
-            <a:off x="1790194" y="2788176"/>
-            <a:ext cx="1707519" cy="307777"/>
-          </a:xfrm>
-          <a:prstGeom prst="rect">
-            <a:avLst/>
-          </a:prstGeom>
-          <a:noFill/>
-        </p:spPr>
-        <p:txBody>
-          <a:bodyPr wrap="none" rtlCol="0">
-            <a:spAutoFit/>
-          </a:bodyPr>
-          <a:lstStyle/>
-          <a:p>
-            <a:r>
-              <a:rPr lang="de-DE" sz="1400" dirty="0" err="1" smtClean="0"/>
-              <a:t>LambdaApplication</a:t>
-            </a:r>
-            <a:endParaRPr lang="de-DE" sz="1400" dirty="0"/>
-          </a:p>
-        </p:txBody>
-      </p:sp>
-      <p:sp>
-        <p:nvSpPr>
-          <p:cNvPr id="28" name="Textfeld 27"/>
-          <p:cNvSpPr txBox="1"/>
-          <p:nvPr/>
-        </p:nvSpPr>
-        <p:spPr>
-          <a:xfrm>
-            <a:off x="987877" y="3581301"/>
-            <a:ext cx="1707519" cy="307777"/>
-          </a:xfrm>
-          <a:prstGeom prst="rect">
-            <a:avLst/>
-          </a:prstGeom>
-          <a:noFill/>
-        </p:spPr>
-        <p:txBody>
-          <a:bodyPr wrap="none" rtlCol="0">
-            <a:spAutoFit/>
-          </a:bodyPr>
-          <a:lstStyle/>
-          <a:p>
-            <a:r>
-              <a:rPr lang="de-DE" sz="1400" dirty="0" err="1" smtClean="0"/>
-              <a:t>LambdaApplication</a:t>
-            </a:r>
-            <a:endParaRPr lang="de-DE" sz="1400" dirty="0"/>
-          </a:p>
-        </p:txBody>
-      </p:sp>
-      <p:cxnSp>
-        <p:nvCxnSpPr>
-          <p:cNvPr id="29" name="Gerade Verbindung mit Pfeil 28"/>
-          <p:cNvCxnSpPr>
-            <a:stCxn id="25" idx="2"/>
-            <a:endCxn id="28" idx="0"/>
-          </p:cNvCxnSpPr>
-          <p:nvPr/>
-        </p:nvCxnSpPr>
-        <p:spPr>
-          <a:xfrm flipH="1">
-            <a:off x="1841637" y="3095953"/>
-            <a:ext cx="802317" cy="485348"/>
-          </a:xfrm>
-          <a:prstGeom prst="straightConnector1">
-            <a:avLst/>
-          </a:prstGeom>
-          <a:ln w="19050">
-            <a:solidFill>
-              <a:schemeClr val="tx1"/>
-            </a:solidFill>
-            <a:tailEnd type="arrow"/>
-          </a:ln>
-        </p:spPr>
-        <p:style>
-          <a:lnRef idx="1">
-            <a:schemeClr val="accent1"/>
-          </a:lnRef>
-          <a:fillRef idx="0">
-            <a:schemeClr val="accent1"/>
-          </a:fillRef>
-          <a:effectRef idx="0">
-            <a:schemeClr val="accent1"/>
-          </a:effectRef>
-          <a:fontRef idx="minor">
-            <a:schemeClr val="tx1"/>
-          </a:fontRef>
-        </p:style>
-      </p:cxnSp>
-      <p:sp>
-        <p:nvSpPr>
-          <p:cNvPr id="32" name="Textfeld 31"/>
-          <p:cNvSpPr txBox="1"/>
-          <p:nvPr/>
-        </p:nvSpPr>
-        <p:spPr>
-          <a:xfrm>
-            <a:off x="377626" y="4365436"/>
-            <a:ext cx="1474571" cy="307777"/>
-          </a:xfrm>
-          <a:prstGeom prst="rect">
-            <a:avLst/>
-          </a:prstGeom>
-          <a:noFill/>
-        </p:spPr>
-        <p:txBody>
-          <a:bodyPr wrap="none" rtlCol="0">
-            <a:spAutoFit/>
-          </a:bodyPr>
-          <a:lstStyle/>
-          <a:p>
-            <a:r>
-              <a:rPr lang="de-DE" sz="1400" dirty="0" err="1" smtClean="0">
-                <a:solidFill>
-                  <a:srgbClr val="FF0000"/>
-                </a:solidFill>
-              </a:rPr>
-              <a:t>LambdaVariable</a:t>
-            </a:r>
-            <a:endParaRPr lang="de-DE" sz="1400" dirty="0">
-              <a:solidFill>
-                <a:srgbClr val="FF0000"/>
-              </a:solidFill>
-            </a:endParaRPr>
-          </a:p>
-        </p:txBody>
-      </p:sp>
-      <p:cxnSp>
-        <p:nvCxnSpPr>
-          <p:cNvPr id="33" name="Gerade Verbindung mit Pfeil 32"/>
-          <p:cNvCxnSpPr>
-            <a:stCxn id="25" idx="2"/>
-            <a:endCxn id="37" idx="0"/>
-          </p:cNvCxnSpPr>
-          <p:nvPr/>
-        </p:nvCxnSpPr>
-        <p:spPr>
-          <a:xfrm>
-            <a:off x="2643954" y="3095953"/>
-            <a:ext cx="853759" cy="503194"/>
-          </a:xfrm>
-          <a:prstGeom prst="straightConnector1">
-            <a:avLst/>
-          </a:prstGeom>
-          <a:ln w="19050">
-            <a:solidFill>
-              <a:schemeClr val="tx1"/>
-            </a:solidFill>
-            <a:tailEnd type="arrow"/>
-          </a:ln>
-        </p:spPr>
-        <p:style>
-          <a:lnRef idx="1">
-            <a:schemeClr val="accent1"/>
-          </a:lnRef>
-          <a:fillRef idx="0">
-            <a:schemeClr val="accent1"/>
-          </a:fillRef>
-          <a:effectRef idx="0">
-            <a:schemeClr val="accent1"/>
-          </a:effectRef>
-          <a:fontRef idx="minor">
-            <a:schemeClr val="tx1"/>
-          </a:fontRef>
-        </p:style>
-      </p:cxnSp>
-      <p:sp>
-        <p:nvSpPr>
-          <p:cNvPr id="36" name="Textfeld 35"/>
-          <p:cNvSpPr txBox="1"/>
-          <p:nvPr/>
-        </p:nvSpPr>
-        <p:spPr>
-          <a:xfrm>
-            <a:off x="1958111" y="4365104"/>
-            <a:ext cx="1474571" cy="307777"/>
-          </a:xfrm>
-          <a:prstGeom prst="rect">
-            <a:avLst/>
-          </a:prstGeom>
-          <a:noFill/>
-        </p:spPr>
-        <p:txBody>
-          <a:bodyPr wrap="none" rtlCol="0">
-            <a:spAutoFit/>
-          </a:bodyPr>
-          <a:lstStyle/>
-          <a:p>
-            <a:r>
-              <a:rPr lang="de-DE" sz="1400" dirty="0" err="1" smtClean="0">
-                <a:solidFill>
-                  <a:schemeClr val="accent2"/>
-                </a:solidFill>
-              </a:rPr>
-              <a:t>LambdaVariable</a:t>
-            </a:r>
-            <a:endParaRPr lang="de-DE" sz="1400" dirty="0">
-              <a:solidFill>
-                <a:schemeClr val="accent2"/>
-              </a:solidFill>
-            </a:endParaRPr>
-          </a:p>
-        </p:txBody>
-      </p:sp>
-      <p:sp>
-        <p:nvSpPr>
-          <p:cNvPr id="37" name="Textfeld 36"/>
-          <p:cNvSpPr txBox="1"/>
-          <p:nvPr/>
-        </p:nvSpPr>
-        <p:spPr>
-          <a:xfrm>
-            <a:off x="2760427" y="3599147"/>
-            <a:ext cx="1474571" cy="307777"/>
-          </a:xfrm>
-          <a:prstGeom prst="rect">
-            <a:avLst/>
-          </a:prstGeom>
-          <a:noFill/>
-        </p:spPr>
-        <p:txBody>
-          <a:bodyPr wrap="none" rtlCol="0">
-            <a:spAutoFit/>
-          </a:bodyPr>
-          <a:lstStyle/>
-          <a:p>
-            <a:r>
-              <a:rPr lang="de-DE" sz="1400" dirty="0" err="1" smtClean="0">
-                <a:solidFill>
-                  <a:srgbClr val="82BE3C"/>
-                </a:solidFill>
-              </a:rPr>
-              <a:t>LambdaVariable</a:t>
-            </a:r>
-            <a:endParaRPr lang="de-DE" sz="1400" dirty="0">
-              <a:solidFill>
-                <a:srgbClr val="82BE3C"/>
-              </a:solidFill>
-            </a:endParaRPr>
-          </a:p>
-        </p:txBody>
-      </p:sp>
-      <p:cxnSp>
-        <p:nvCxnSpPr>
-          <p:cNvPr id="38" name="Gerade Verbindung mit Pfeil 37"/>
-          <p:cNvCxnSpPr>
-            <a:stCxn id="28" idx="2"/>
-            <a:endCxn id="36" idx="0"/>
-          </p:cNvCxnSpPr>
-          <p:nvPr/>
-        </p:nvCxnSpPr>
-        <p:spPr>
-          <a:xfrm>
-            <a:off x="1841637" y="3889078"/>
-            <a:ext cx="853760" cy="476026"/>
-          </a:xfrm>
-          <a:prstGeom prst="straightConnector1">
-            <a:avLst/>
-          </a:prstGeom>
-          <a:ln w="19050">
-            <a:solidFill>
-              <a:schemeClr val="tx1"/>
-            </a:solidFill>
-            <a:tailEnd type="arrow"/>
-          </a:ln>
-        </p:spPr>
-        <p:style>
-          <a:lnRef idx="1">
-            <a:schemeClr val="accent1"/>
-          </a:lnRef>
-          <a:fillRef idx="0">
-            <a:schemeClr val="accent1"/>
-          </a:fillRef>
-          <a:effectRef idx="0">
-            <a:schemeClr val="accent1"/>
-          </a:effectRef>
-          <a:fontRef idx="minor">
-            <a:schemeClr val="tx1"/>
-          </a:fontRef>
-        </p:style>
-      </p:cxnSp>
-      <p:cxnSp>
-        <p:nvCxnSpPr>
-          <p:cNvPr id="41" name="Gerade Verbindung mit Pfeil 40"/>
-          <p:cNvCxnSpPr>
-            <a:stCxn id="28" idx="2"/>
-            <a:endCxn id="32" idx="0"/>
-          </p:cNvCxnSpPr>
-          <p:nvPr/>
-        </p:nvCxnSpPr>
-        <p:spPr>
-          <a:xfrm flipH="1">
-            <a:off x="1114912" y="3889078"/>
-            <a:ext cx="726725" cy="476358"/>
-          </a:xfrm>
-          <a:prstGeom prst="straightConnector1">
-            <a:avLst/>
-          </a:prstGeom>
-          <a:ln w="19050">
-            <a:solidFill>
-              <a:schemeClr val="tx1"/>
-            </a:solidFill>
-            <a:tailEnd type="arrow"/>
-          </a:ln>
-        </p:spPr>
-        <p:style>
-          <a:lnRef idx="1">
-            <a:schemeClr val="accent1"/>
-          </a:lnRef>
-          <a:fillRef idx="0">
-            <a:schemeClr val="accent1"/>
-          </a:fillRef>
-          <a:effectRef idx="0">
-            <a:schemeClr val="accent1"/>
-          </a:effectRef>
-          <a:fontRef idx="minor">
-            <a:schemeClr val="tx1"/>
-          </a:fontRef>
-        </p:style>
-      </p:cxnSp>
-      <p:cxnSp>
-        <p:nvCxnSpPr>
-          <p:cNvPr id="52" name="Gerade Verbindung mit Pfeil 51"/>
-          <p:cNvCxnSpPr/>
-          <p:nvPr/>
-        </p:nvCxnSpPr>
-        <p:spPr>
-          <a:xfrm flipH="1">
-            <a:off x="5868144" y="1928016"/>
-            <a:ext cx="950932" cy="573440"/>
-          </a:xfrm>
-          <a:prstGeom prst="straightConnector1">
-            <a:avLst/>
-          </a:prstGeom>
-          <a:ln w="19050">
-            <a:solidFill>
-              <a:schemeClr val="tx1"/>
-            </a:solidFill>
-            <a:tailEnd type="arrow"/>
-          </a:ln>
-        </p:spPr>
-        <p:style>
-          <a:lnRef idx="1">
-            <a:schemeClr val="accent1"/>
-          </a:lnRef>
-          <a:fillRef idx="0">
-            <a:schemeClr val="accent1"/>
-          </a:fillRef>
-          <a:effectRef idx="0">
-            <a:schemeClr val="accent1"/>
-          </a:effectRef>
-          <a:fontRef idx="minor">
-            <a:schemeClr val="tx1"/>
-          </a:fontRef>
-        </p:style>
-      </p:cxnSp>
-      <p:pic>
-        <p:nvPicPr>
-          <p:cNvPr id="4098" name="Picture 2" descr="D:\Downloads\pse\repository\LambdaDasSpiel\1-pflichtenheft\gui\sprites\gem_red.png"/>
-          <p:cNvPicPr>
-            <a:picLocks noChangeAspect="1" noChangeArrowheads="1"/>
-          </p:cNvPicPr>
-          <p:nvPr/>
-        </p:nvPicPr>
-        <p:blipFill>
-          <a:blip r:embed="rId2" cstate="print">
-            <a:extLst>
-              <a:ext uri="{28A0092B-C50C-407E-A947-70E740481C1C}">
-                <a14:useLocalDpi xmlns:a14="http://schemas.microsoft.com/office/drawing/2010/main" val="0"/>
-              </a:ext>
-            </a:extLst>
-          </a:blip>
-          <a:srcRect/>
-          <a:stretch>
-            <a:fillRect/>
-          </a:stretch>
-        </p:blipFill>
-        <p:spPr bwMode="auto">
-          <a:xfrm>
-            <a:off x="5666954" y="2602456"/>
-            <a:ext cx="449262" cy="758825"/>
-          </a:xfrm>
-          <a:prstGeom prst="rect">
-            <a:avLst/>
-          </a:prstGeom>
-          <a:noFill/>
-          <a:extLst>
-            <a:ext uri="{909E8E84-426E-40DD-AFC4-6F175D3DCCD1}">
-              <a14:hiddenFill xmlns:a14="http://schemas.microsoft.com/office/drawing/2010/main">
-                <a:solidFill>
-                  <a:srgbClr val="FFFFFF"/>
-                </a:solidFill>
-              </a14:hiddenFill>
-            </a:ext>
-          </a:extLst>
-        </p:spPr>
-      </p:pic>
-      <p:pic>
-        <p:nvPicPr>
-          <p:cNvPr id="4099" name="Picture 3" descr="D:\Downloads\pse\repository\LambdaDasSpiel\1-pflichtenheft\gui\sprites\gem_blue.png"/>
-          <p:cNvPicPr>
-            <a:picLocks noChangeAspect="1" noChangeArrowheads="1"/>
-          </p:cNvPicPr>
-          <p:nvPr/>
-        </p:nvPicPr>
-        <p:blipFill>
-          <a:blip r:embed="rId3" cstate="print">
-            <a:extLst>
-              <a:ext uri="{28A0092B-C50C-407E-A947-70E740481C1C}">
-                <a14:useLocalDpi xmlns:a14="http://schemas.microsoft.com/office/drawing/2010/main" val="0"/>
-              </a:ext>
-            </a:extLst>
-          </a:blip>
-          <a:srcRect/>
-          <a:stretch>
-            <a:fillRect/>
-          </a:stretch>
-        </p:blipFill>
-        <p:spPr bwMode="auto">
-          <a:xfrm>
-            <a:off x="6597626" y="2602242"/>
-            <a:ext cx="449263" cy="758825"/>
-          </a:xfrm>
-          <a:prstGeom prst="rect">
-            <a:avLst/>
-          </a:prstGeom>
-          <a:noFill/>
-          <a:extLst>
-            <a:ext uri="{909E8E84-426E-40DD-AFC4-6F175D3DCCD1}">
-              <a14:hiddenFill xmlns:a14="http://schemas.microsoft.com/office/drawing/2010/main">
-                <a:solidFill>
-                  <a:srgbClr val="FFFFFF"/>
-                </a:solidFill>
-              </a14:hiddenFill>
-            </a:ext>
-          </a:extLst>
-        </p:spPr>
-      </p:pic>
-      <p:pic>
-        <p:nvPicPr>
-          <p:cNvPr id="4100" name="Picture 4" descr="D:\Downloads\pse\repository\LambdaDasSpiel\1-pflichtenheft\gui\sprites\gem_green.png"/>
-          <p:cNvPicPr>
-            <a:picLocks noChangeAspect="1" noChangeArrowheads="1"/>
-          </p:cNvPicPr>
-          <p:nvPr/>
-        </p:nvPicPr>
-        <p:blipFill>
-          <a:blip r:embed="rId4" cstate="print">
-            <a:extLst>
-              <a:ext uri="{28A0092B-C50C-407E-A947-70E740481C1C}">
-                <a14:useLocalDpi xmlns:a14="http://schemas.microsoft.com/office/drawing/2010/main" val="0"/>
-              </a:ext>
-            </a:extLst>
-          </a:blip>
-          <a:srcRect/>
-          <a:stretch>
-            <a:fillRect/>
-          </a:stretch>
-        </p:blipFill>
-        <p:spPr bwMode="auto">
-          <a:xfrm>
-            <a:off x="7524328" y="2602241"/>
-            <a:ext cx="449262" cy="758825"/>
-          </a:xfrm>
-          <a:prstGeom prst="rect">
-            <a:avLst/>
-          </a:prstGeom>
-          <a:noFill/>
-          <a:extLst>
-            <a:ext uri="{909E8E84-426E-40DD-AFC4-6F175D3DCCD1}">
-              <a14:hiddenFill xmlns:a14="http://schemas.microsoft.com/office/drawing/2010/main">
-                <a:solidFill>
-                  <a:srgbClr val="FFFFFF"/>
-                </a:solidFill>
-              </a14:hiddenFill>
-            </a:ext>
-          </a:extLst>
-        </p:spPr>
-      </p:pic>
-      <p:cxnSp>
-        <p:nvCxnSpPr>
-          <p:cNvPr id="57" name="Gerade Verbindung mit Pfeil 56"/>
-          <p:cNvCxnSpPr/>
-          <p:nvPr/>
-        </p:nvCxnSpPr>
-        <p:spPr>
-          <a:xfrm flipH="1">
-            <a:off x="6819076" y="1928016"/>
-            <a:ext cx="1" cy="573440"/>
-          </a:xfrm>
-          <a:prstGeom prst="straightConnector1">
-            <a:avLst/>
-          </a:prstGeom>
-          <a:ln w="19050">
-            <a:solidFill>
-              <a:schemeClr val="tx1"/>
-            </a:solidFill>
-            <a:tailEnd type="arrow"/>
-          </a:ln>
-        </p:spPr>
-        <p:style>
-          <a:lnRef idx="1">
-            <a:schemeClr val="accent1"/>
-          </a:lnRef>
-          <a:fillRef idx="0">
-            <a:schemeClr val="accent1"/>
-          </a:fillRef>
-          <a:effectRef idx="0">
-            <a:schemeClr val="accent1"/>
-          </a:effectRef>
-          <a:fontRef idx="minor">
-            <a:schemeClr val="tx1"/>
-          </a:fontRef>
-        </p:style>
-      </p:cxnSp>
-      <p:cxnSp>
-        <p:nvCxnSpPr>
-          <p:cNvPr id="60" name="Gerade Verbindung mit Pfeil 59"/>
-          <p:cNvCxnSpPr/>
-          <p:nvPr/>
-        </p:nvCxnSpPr>
-        <p:spPr>
-          <a:xfrm>
-            <a:off x="6822257" y="1928016"/>
-            <a:ext cx="926702" cy="573440"/>
-          </a:xfrm>
-          <a:prstGeom prst="straightConnector1">
-            <a:avLst/>
-          </a:prstGeom>
-          <a:ln w="19050">
-            <a:solidFill>
-              <a:schemeClr val="tx1"/>
-            </a:solidFill>
-            <a:tailEnd type="arrow"/>
-          </a:ln>
-        </p:spPr>
-        <p:style>
-          <a:lnRef idx="1">
-            <a:schemeClr val="accent1"/>
-          </a:lnRef>
-          <a:fillRef idx="0">
-            <a:schemeClr val="accent1"/>
-          </a:fillRef>
-          <a:effectRef idx="0">
-            <a:schemeClr val="accent1"/>
-          </a:effectRef>
-          <a:fontRef idx="minor">
-            <a:schemeClr val="tx1"/>
-          </a:fontRef>
-        </p:style>
-      </p:cxnSp>
-      <p:sp>
-        <p:nvSpPr>
-          <p:cNvPr id="64" name="Textfeld 63"/>
-          <p:cNvSpPr txBox="1"/>
-          <p:nvPr/>
-        </p:nvSpPr>
-        <p:spPr>
-          <a:xfrm>
-            <a:off x="5962142" y="1605784"/>
-            <a:ext cx="1713867" cy="307777"/>
-          </a:xfrm>
-          <a:prstGeom prst="rect">
-            <a:avLst/>
-          </a:prstGeom>
-          <a:noFill/>
-        </p:spPr>
-        <p:txBody>
-          <a:bodyPr wrap="none" rtlCol="0">
-            <a:spAutoFit/>
-          </a:bodyPr>
-          <a:lstStyle/>
-          <a:p>
-            <a:r>
-              <a:rPr lang="de-DE" sz="1400" dirty="0" smtClean="0"/>
-              <a:t>unsichtbare Wurzel</a:t>
-            </a:r>
-            <a:endParaRPr lang="de-DE" sz="1400" dirty="0"/>
-          </a:p>
-        </p:txBody>
-      </p:sp>
+      <p:graphicFrame>
+        <p:nvGraphicFramePr>
+          <p:cNvPr id="7" name="Objekt 6"/>
+          <p:cNvGraphicFramePr>
+            <a:graphicFrameLocks noChangeAspect="1"/>
+          </p:cNvGraphicFramePr>
+          <p:nvPr>
+            <p:extLst>
+              <p:ext uri="{D42A27DB-BD31-4B8C-83A1-F6EECF244321}">
+                <p14:modId xmlns:p14="http://schemas.microsoft.com/office/powerpoint/2010/main" val="933628476"/>
+              </p:ext>
+            </p:extLst>
+          </p:nvPr>
+        </p:nvGraphicFramePr>
+        <p:xfrm>
+          <a:off x="395536" y="980728"/>
+          <a:ext cx="8064896" cy="5376597"/>
+        </p:xfrm>
+        <a:graphic>
+          <a:graphicData uri="http://schemas.openxmlformats.org/presentationml/2006/ole">
+            <mc:AlternateContent xmlns:mc="http://schemas.openxmlformats.org/markup-compatibility/2006">
+              <mc:Choice xmlns:v="urn:schemas-microsoft-com:vml" Requires="v">
+                <p:oleObj spid="_x0000_s2055" name="Acrobat Document" r:id="rId3" imgW="8572399" imgH="5714820" progId="AcroExch.Document.11">
+                  <p:embed/>
+                </p:oleObj>
+              </mc:Choice>
+              <mc:Fallback>
+                <p:oleObj name="Acrobat Document" r:id="rId3" imgW="8572399" imgH="5714820" progId="AcroExch.Document.11">
+                  <p:embed/>
+                  <p:pic>
+                    <p:nvPicPr>
+                      <p:cNvPr id="0" name=""/>
+                      <p:cNvPicPr/>
+                      <p:nvPr/>
+                    </p:nvPicPr>
+                    <p:blipFill>
+                      <a:blip r:embed="rId4"/>
+                      <a:stretch>
+                        <a:fillRect/>
+                      </a:stretch>
+                    </p:blipFill>
+                    <p:spPr>
+                      <a:xfrm>
+                        <a:off x="395536" y="980728"/>
+                        <a:ext cx="8064896" cy="5376597"/>
+                      </a:xfrm>
+                      <a:prstGeom prst="rect">
+                        <a:avLst/>
+                      </a:prstGeom>
+                    </p:spPr>
+                  </p:pic>
+                </p:oleObj>
+              </mc:Fallback>
+            </mc:AlternateContent>
+          </a:graphicData>
+        </a:graphic>
+      </p:graphicFrame>
     </p:spTree>
     <p:extLst>
       <p:ext uri="{BB962C8B-B14F-4D97-AF65-F5344CB8AC3E}">
-        <p14:creationId xmlns:p14="http://schemas.microsoft.com/office/powerpoint/2010/main" val="4017787118"/>
+        <p14:creationId xmlns:p14="http://schemas.microsoft.com/office/powerpoint/2010/main" val="1020204133"/>
       </p:ext>
     </p:extLst>
   </p:cSld>
@@ -9034,7 +9635,7 @@
 </p:sld>
 </file>
 
-<file path=ppt/slides/slide7.xml><?xml version="1.0" encoding="utf-8"?>
+<file path=ppt/slides/slide8.xml><?xml version="1.0" encoding="utf-8"?>
 <p:sld xmlns:a="http://schemas.openxmlformats.org/drawingml/2006/main" xmlns:r="http://schemas.openxmlformats.org/officeDocument/2006/relationships" xmlns:p="http://schemas.openxmlformats.org/presentationml/2006/main">
   <p:cSld>
     <p:spTree>
